--- a/Powerpoint_Final.pptx
+++ b/Powerpoint_Final.pptx
@@ -5,10 +5,10 @@
     <p:sldMasterId id="2147483648" r:id="rId4"/>
   </p:sldMasterIdLst>
   <p:notesMasterIdLst>
-    <p:notesMasterId r:id="rId16"/>
+    <p:notesMasterId r:id="rId18"/>
   </p:notesMasterIdLst>
   <p:handoutMasterIdLst>
-    <p:handoutMasterId r:id="rId17"/>
+    <p:handoutMasterId r:id="rId19"/>
   </p:handoutMasterIdLst>
   <p:sldIdLst>
     <p:sldId id="256" r:id="rId5"/>
@@ -16,12 +16,14 @@
     <p:sldId id="258" r:id="rId7"/>
     <p:sldId id="262" r:id="rId8"/>
     <p:sldId id="270" r:id="rId9"/>
-    <p:sldId id="264" r:id="rId10"/>
-    <p:sldId id="273" r:id="rId11"/>
-    <p:sldId id="274" r:id="rId12"/>
-    <p:sldId id="275" r:id="rId13"/>
-    <p:sldId id="272" r:id="rId14"/>
-    <p:sldId id="271" r:id="rId15"/>
+    <p:sldId id="276" r:id="rId10"/>
+    <p:sldId id="277" r:id="rId11"/>
+    <p:sldId id="264" r:id="rId12"/>
+    <p:sldId id="273" r:id="rId13"/>
+    <p:sldId id="274" r:id="rId14"/>
+    <p:sldId id="275" r:id="rId15"/>
+    <p:sldId id="280" r:id="rId16"/>
+    <p:sldId id="271" r:id="rId17"/>
   </p:sldIdLst>
   <p:sldSz cx="12192000" cy="6858000"/>
   <p:notesSz cx="6858000" cy="9144000"/>
@@ -225,7 +227,7 @@
           <a:p>
             <a:fld id="{B56F32FC-4BD9-442A-A8C6-51598C909FE3}" type="datetimeFigureOut">
               <a:rPr lang="en-US" smtClean="0"/>
-              <a:t>10/26/2023</a:t>
+              <a:t>10/25/23</a:t>
             </a:fld>
             <a:endParaRPr lang="en-US" dirty="0"/>
           </a:p>
@@ -402,7 +404,7 @@
           <a:p>
             <a:fld id="{056371FA-A98D-41E8-93F4-09945841298A}" type="datetimeFigureOut">
               <a:rPr lang="en-US" smtClean="0"/>
-              <a:t>10/26/2023</a:t>
+              <a:t>10/25/23</a:t>
             </a:fld>
             <a:endParaRPr lang="en-US" dirty="0"/>
           </a:p>
@@ -9789,7 +9791,7 @@
           <p:cNvPr id="2" name="Title 1">
             <a:extLst>
               <a:ext uri="{FF2B5EF4-FFF2-40B4-BE49-F238E27FC236}">
-                <a16:creationId xmlns:a16="http://schemas.microsoft.com/office/drawing/2014/main" id="{D7370F17-7C63-2740-3929-5264F9B06095}"/>
+                <a16:creationId xmlns:a16="http://schemas.microsoft.com/office/drawing/2014/main" id="{4F6A2D15-4D68-4BF7-9421-032AE6C8852C}"/>
               </a:ext>
             </a:extLst>
           </p:cNvPr>
@@ -9800,145 +9802,204 @@
             <p:ph type="title"/>
           </p:nvPr>
         </p:nvSpPr>
-        <p:spPr/>
+        <p:spPr>
+          <a:xfrm>
+            <a:off x="1307008" y="336701"/>
+            <a:ext cx="9577983" cy="1325563"/>
+          </a:xfrm>
+        </p:spPr>
         <p:txBody>
           <a:bodyPr/>
           <a:lstStyle/>
           <a:p>
             <a:r>
               <a:rPr lang="en-US" dirty="0"/>
-              <a:t>How can we predict future trends?</a:t>
-            </a:r>
-            <a:br>
-              <a:rPr lang="en-US" dirty="0"/>
-            </a:br>
-            <a:endParaRPr lang="en-US" dirty="0"/>
-          </a:p>
-        </p:txBody>
-      </p:sp>
-      <p:sp>
-        <p:nvSpPr>
-          <p:cNvPr id="3" name="SmartArt Placeholder 2">
-            <a:extLst>
-              <a:ext uri="{FF2B5EF4-FFF2-40B4-BE49-F238E27FC236}">
-                <a16:creationId xmlns:a16="http://schemas.microsoft.com/office/drawing/2014/main" id="{204115AA-6716-606A-E787-021915C3FAAB}"/>
-              </a:ext>
-            </a:extLst>
-          </p:cNvPr>
-          <p:cNvSpPr>
-            <a:spLocks noGrp="1"/>
-          </p:cNvSpPr>
-          <p:nvPr>
-            <p:ph type="dgm" sz="quarter" idx="15"/>
-          </p:nvPr>
-        </p:nvSpPr>
-        <p:spPr/>
+              <a:t>How have the stock trends performed over time? can we Predict Future Trends?</a:t>
+            </a:r>
+          </a:p>
+        </p:txBody>
+      </p:sp>
+      <p:sp>
+        <p:nvSpPr>
+          <p:cNvPr id="24" name="Footer Placeholder 23">
+            <a:extLst>
+              <a:ext uri="{FF2B5EF4-FFF2-40B4-BE49-F238E27FC236}">
+                <a16:creationId xmlns:a16="http://schemas.microsoft.com/office/drawing/2014/main" id="{918C3C97-444D-4600-8553-B9C4C1F8483B}"/>
+              </a:ext>
+            </a:extLst>
+          </p:cNvPr>
+          <p:cNvSpPr>
+            <a:spLocks noGrp="1"/>
+          </p:cNvSpPr>
+          <p:nvPr>
+            <p:ph type="ftr" sz="quarter" idx="11"/>
+          </p:nvPr>
+        </p:nvSpPr>
+        <p:spPr>
+          <a:xfrm>
+            <a:off x="4038600" y="6356350"/>
+            <a:ext cx="4114800" cy="365125"/>
+          </a:xfrm>
+        </p:spPr>
         <p:txBody>
           <a:bodyPr/>
           <a:lstStyle/>
           <a:p>
-            <a:pPr marL="0" indent="0">
-              <a:buNone/>
-            </a:pPr>
             <a:r>
               <a:rPr lang="en-US" dirty="0"/>
-              <a:t>Text &amp; Graphs</a:t>
-            </a:r>
-          </a:p>
-        </p:txBody>
-      </p:sp>
-      <p:sp>
-        <p:nvSpPr>
-          <p:cNvPr id="4" name="Date Placeholder 3">
-            <a:extLst>
-              <a:ext uri="{FF2B5EF4-FFF2-40B4-BE49-F238E27FC236}">
-                <a16:creationId xmlns:a16="http://schemas.microsoft.com/office/drawing/2014/main" id="{893D3077-883B-6B8A-038C-8D607669617A}"/>
-              </a:ext>
-            </a:extLst>
-          </p:cNvPr>
-          <p:cNvSpPr>
-            <a:spLocks noGrp="1"/>
-          </p:cNvSpPr>
-          <p:nvPr>
-            <p:ph type="dt" sz="half" idx="10"/>
-          </p:nvPr>
-        </p:nvSpPr>
-        <p:spPr/>
-        <p:txBody>
-          <a:bodyPr/>
+              <a:t>Jackson</a:t>
+            </a:r>
+          </a:p>
+        </p:txBody>
+      </p:sp>
+      <p:sp>
+        <p:nvSpPr>
+          <p:cNvPr id="5" name="TextBox 4">
+            <a:extLst>
+              <a:ext uri="{FF2B5EF4-FFF2-40B4-BE49-F238E27FC236}">
+                <a16:creationId xmlns:a16="http://schemas.microsoft.com/office/drawing/2014/main" id="{2254930C-D835-67EE-67EE-F1F5BDA45880}"/>
+              </a:ext>
+            </a:extLst>
+          </p:cNvPr>
+          <p:cNvSpPr txBox="1"/>
+          <p:nvPr/>
+        </p:nvSpPr>
+        <p:spPr>
+          <a:xfrm>
+            <a:off x="1856232" y="2446020"/>
+            <a:ext cx="3520440" cy="523220"/>
+          </a:xfrm>
+          <a:prstGeom prst="rect">
+            <a:avLst/>
+          </a:prstGeom>
+          <a:noFill/>
+        </p:spPr>
+        <p:txBody>
+          <a:bodyPr wrap="square" rtlCol="0">
+            <a:spAutoFit/>
+          </a:bodyPr>
           <a:lstStyle/>
           <a:p>
-            <a:r>
-              <a:rPr lang="en-US"/>
-              <a:t>20XX</a:t>
-            </a:r>
-            <a:endParaRPr lang="en-US" dirty="0"/>
-          </a:p>
-        </p:txBody>
-      </p:sp>
-      <p:sp>
-        <p:nvSpPr>
-          <p:cNvPr id="5" name="Footer Placeholder 4">
-            <a:extLst>
-              <a:ext uri="{FF2B5EF4-FFF2-40B4-BE49-F238E27FC236}">
-                <a16:creationId xmlns:a16="http://schemas.microsoft.com/office/drawing/2014/main" id="{85A87815-7458-EE31-C3F6-DB5EB3849A69}"/>
-              </a:ext>
-            </a:extLst>
-          </p:cNvPr>
-          <p:cNvSpPr>
-            <a:spLocks noGrp="1"/>
-          </p:cNvSpPr>
-          <p:nvPr>
-            <p:ph type="ftr" sz="quarter" idx="11"/>
-          </p:nvPr>
-        </p:nvSpPr>
-        <p:spPr/>
-        <p:txBody>
-          <a:bodyPr/>
+            <a:pPr algn="ctr"/>
+            <a:r>
+              <a:rPr lang="en-US" sz="2800" b="0" i="0" dirty="0">
+                <a:solidFill>
+                  <a:srgbClr val="202124"/>
+                </a:solidFill>
+                <a:effectLst/>
+              </a:rPr>
+              <a:t>Johnson &amp; Johnson</a:t>
+            </a:r>
+            <a:endParaRPr lang="en-US" sz="2800" dirty="0"/>
+          </a:p>
+        </p:txBody>
+      </p:sp>
+      <p:sp>
+        <p:nvSpPr>
+          <p:cNvPr id="8" name="TextBox 7">
+            <a:extLst>
+              <a:ext uri="{FF2B5EF4-FFF2-40B4-BE49-F238E27FC236}">
+                <a16:creationId xmlns:a16="http://schemas.microsoft.com/office/drawing/2014/main" id="{3FDF9D8D-C677-0576-3FE3-CC3578FA803A}"/>
+              </a:ext>
+            </a:extLst>
+          </p:cNvPr>
+          <p:cNvSpPr txBox="1"/>
+          <p:nvPr/>
+        </p:nvSpPr>
+        <p:spPr>
+          <a:xfrm>
+            <a:off x="6888260" y="2446020"/>
+            <a:ext cx="3520440" cy="523220"/>
+          </a:xfrm>
+          <a:prstGeom prst="rect">
+            <a:avLst/>
+          </a:prstGeom>
+          <a:noFill/>
+        </p:spPr>
+        <p:txBody>
+          <a:bodyPr wrap="square" rtlCol="0">
+            <a:spAutoFit/>
+          </a:bodyPr>
           <a:lstStyle/>
           <a:p>
-            <a:r>
-              <a:rPr lang="en-US"/>
-              <a:t>PRESENTATION TITLE</a:t>
-            </a:r>
-            <a:endParaRPr lang="en-US" dirty="0"/>
-          </a:p>
-        </p:txBody>
-      </p:sp>
-      <p:sp>
-        <p:nvSpPr>
-          <p:cNvPr id="6" name="Slide Number Placeholder 5">
-            <a:extLst>
-              <a:ext uri="{FF2B5EF4-FFF2-40B4-BE49-F238E27FC236}">
-                <a16:creationId xmlns:a16="http://schemas.microsoft.com/office/drawing/2014/main" id="{62F106EA-6BED-61C6-242D-D8156F8E995B}"/>
-              </a:ext>
-            </a:extLst>
-          </p:cNvPr>
-          <p:cNvSpPr>
-            <a:spLocks noGrp="1"/>
-          </p:cNvSpPr>
-          <p:nvPr>
-            <p:ph type="sldNum" sz="quarter" idx="12"/>
-          </p:nvPr>
-        </p:nvSpPr>
-        <p:spPr/>
-        <p:txBody>
-          <a:bodyPr/>
-          <a:lstStyle/>
-          <a:p>
-            <a:fld id="{A49DFD55-3C28-40EF-9E31-A92D2E4017FF}" type="slidenum">
-              <a:rPr lang="en-US" smtClean="0"/>
-              <a:pPr/>
-              <a:t>10</a:t>
-            </a:fld>
-            <a:endParaRPr lang="en-US" dirty="0"/>
-          </a:p>
-        </p:txBody>
-      </p:sp>
+            <a:pPr algn="ctr"/>
+            <a:r>
+              <a:rPr lang="en-US" sz="2800" b="0" i="0" dirty="0">
+                <a:solidFill>
+                  <a:srgbClr val="202124"/>
+                </a:solidFill>
+                <a:effectLst/>
+              </a:rPr>
+              <a:t>Merck &amp; Co Inc</a:t>
+            </a:r>
+            <a:endParaRPr lang="en-US" sz="2800" dirty="0"/>
+          </a:p>
+        </p:txBody>
+      </p:sp>
+      <p:pic>
+        <p:nvPicPr>
+          <p:cNvPr id="4" name="Picture 3" descr="A graph with numbers and a red line&#10;&#10;Description automatically generated">
+            <a:extLst>
+              <a:ext uri="{FF2B5EF4-FFF2-40B4-BE49-F238E27FC236}">
+                <a16:creationId xmlns:a16="http://schemas.microsoft.com/office/drawing/2014/main" id="{38A47299-7D77-3DDB-0B4B-CBEF6608E29F}"/>
+              </a:ext>
+            </a:extLst>
+          </p:cNvPr>
+          <p:cNvPicPr>
+            <a:picLocks noChangeAspect="1"/>
+          </p:cNvPicPr>
+          <p:nvPr/>
+        </p:nvPicPr>
+        <p:blipFill>
+          <a:blip r:embed="rId2"/>
+          <a:stretch>
+            <a:fillRect/>
+          </a:stretch>
+        </p:blipFill>
+        <p:spPr>
+          <a:xfrm>
+            <a:off x="1459166" y="3120421"/>
+            <a:ext cx="4314571" cy="3235928"/>
+          </a:xfrm>
+          <a:prstGeom prst="rect">
+            <a:avLst/>
+          </a:prstGeom>
+        </p:spPr>
+      </p:pic>
+      <p:pic>
+        <p:nvPicPr>
+          <p:cNvPr id="9" name="Picture 8" descr="A graph with numbers and a red line&#10;&#10;Description automatically generated">
+            <a:extLst>
+              <a:ext uri="{FF2B5EF4-FFF2-40B4-BE49-F238E27FC236}">
+                <a16:creationId xmlns:a16="http://schemas.microsoft.com/office/drawing/2014/main" id="{D7FAC186-5D85-6AC4-4CD6-A6E7EA053EC9}"/>
+              </a:ext>
+            </a:extLst>
+          </p:cNvPr>
+          <p:cNvPicPr>
+            <a:picLocks noChangeAspect="1"/>
+          </p:cNvPicPr>
+          <p:nvPr/>
+        </p:nvPicPr>
+        <p:blipFill>
+          <a:blip r:embed="rId3"/>
+          <a:stretch>
+            <a:fillRect/>
+          </a:stretch>
+        </p:blipFill>
+        <p:spPr>
+          <a:xfrm>
+            <a:off x="6491194" y="3120421"/>
+            <a:ext cx="4314571" cy="3235928"/>
+          </a:xfrm>
+          <a:prstGeom prst="rect">
+            <a:avLst/>
+          </a:prstGeom>
+        </p:spPr>
+      </p:pic>
     </p:spTree>
     <p:extLst>
       <p:ext uri="{BB962C8B-B14F-4D97-AF65-F5344CB8AC3E}">
-        <p14:creationId xmlns:p14="http://schemas.microsoft.com/office/powerpoint/2010/main" val="2537772617"/>
+        <p14:creationId xmlns:p14="http://schemas.microsoft.com/office/powerpoint/2010/main" val="3972463515"/>
       </p:ext>
     </p:extLst>
   </p:cSld>
@@ -9970,6 +10031,747 @@
           <p:cNvPr id="2" name="Title 1">
             <a:extLst>
               <a:ext uri="{FF2B5EF4-FFF2-40B4-BE49-F238E27FC236}">
+                <a16:creationId xmlns:a16="http://schemas.microsoft.com/office/drawing/2014/main" id="{4F6A2D15-4D68-4BF7-9421-032AE6C8852C}"/>
+              </a:ext>
+            </a:extLst>
+          </p:cNvPr>
+          <p:cNvSpPr>
+            <a:spLocks noGrp="1"/>
+          </p:cNvSpPr>
+          <p:nvPr>
+            <p:ph type="title"/>
+          </p:nvPr>
+        </p:nvSpPr>
+        <p:spPr>
+          <a:xfrm>
+            <a:off x="1307008" y="336701"/>
+            <a:ext cx="9577983" cy="1325563"/>
+          </a:xfrm>
+        </p:spPr>
+        <p:txBody>
+          <a:bodyPr/>
+          <a:lstStyle/>
+          <a:p>
+            <a:r>
+              <a:rPr lang="en-US" dirty="0"/>
+              <a:t>How have the stock trends performed over time? can we Predict Future Trends?</a:t>
+            </a:r>
+          </a:p>
+        </p:txBody>
+      </p:sp>
+      <p:sp>
+        <p:nvSpPr>
+          <p:cNvPr id="24" name="Footer Placeholder 23">
+            <a:extLst>
+              <a:ext uri="{FF2B5EF4-FFF2-40B4-BE49-F238E27FC236}">
+                <a16:creationId xmlns:a16="http://schemas.microsoft.com/office/drawing/2014/main" id="{918C3C97-444D-4600-8553-B9C4C1F8483B}"/>
+              </a:ext>
+            </a:extLst>
+          </p:cNvPr>
+          <p:cNvSpPr>
+            <a:spLocks noGrp="1"/>
+          </p:cNvSpPr>
+          <p:nvPr>
+            <p:ph type="ftr" sz="quarter" idx="11"/>
+          </p:nvPr>
+        </p:nvSpPr>
+        <p:spPr>
+          <a:xfrm>
+            <a:off x="1573227" y="6156174"/>
+            <a:ext cx="4114800" cy="365125"/>
+          </a:xfrm>
+        </p:spPr>
+        <p:txBody>
+          <a:bodyPr/>
+          <a:lstStyle/>
+          <a:p>
+            <a:r>
+              <a:rPr lang="en-US" dirty="0"/>
+              <a:t>Jackson</a:t>
+            </a:r>
+          </a:p>
+        </p:txBody>
+      </p:sp>
+      <p:sp>
+        <p:nvSpPr>
+          <p:cNvPr id="5" name="TextBox 4">
+            <a:extLst>
+              <a:ext uri="{FF2B5EF4-FFF2-40B4-BE49-F238E27FC236}">
+                <a16:creationId xmlns:a16="http://schemas.microsoft.com/office/drawing/2014/main" id="{2254930C-D835-67EE-67EE-F1F5BDA45880}"/>
+              </a:ext>
+            </a:extLst>
+          </p:cNvPr>
+          <p:cNvSpPr txBox="1"/>
+          <p:nvPr/>
+        </p:nvSpPr>
+        <p:spPr>
+          <a:xfrm>
+            <a:off x="1870406" y="2147527"/>
+            <a:ext cx="3520440" cy="523220"/>
+          </a:xfrm>
+          <a:prstGeom prst="rect">
+            <a:avLst/>
+          </a:prstGeom>
+          <a:noFill/>
+        </p:spPr>
+        <p:txBody>
+          <a:bodyPr wrap="square" rtlCol="0">
+            <a:spAutoFit/>
+          </a:bodyPr>
+          <a:lstStyle/>
+          <a:p>
+            <a:pPr algn="ctr"/>
+            <a:r>
+              <a:rPr lang="en-US" sz="2800" b="0" i="0" dirty="0">
+                <a:solidFill>
+                  <a:srgbClr val="202124"/>
+                </a:solidFill>
+                <a:effectLst/>
+              </a:rPr>
+              <a:t>Organon &amp; Co</a:t>
+            </a:r>
+            <a:endParaRPr lang="en-US" sz="2800" dirty="0"/>
+          </a:p>
+        </p:txBody>
+      </p:sp>
+      <p:pic>
+        <p:nvPicPr>
+          <p:cNvPr id="4" name="Picture 3" descr="A graph with numbers and a red line&#10;&#10;Description automatically generated">
+            <a:extLst>
+              <a:ext uri="{FF2B5EF4-FFF2-40B4-BE49-F238E27FC236}">
+                <a16:creationId xmlns:a16="http://schemas.microsoft.com/office/drawing/2014/main" id="{082B61F9-C76E-AD24-2CDC-75A07C493D0C}"/>
+              </a:ext>
+            </a:extLst>
+          </p:cNvPr>
+          <p:cNvPicPr>
+            <a:picLocks noChangeAspect="1"/>
+          </p:cNvPicPr>
+          <p:nvPr/>
+        </p:nvPicPr>
+        <p:blipFill>
+          <a:blip r:embed="rId2"/>
+          <a:stretch>
+            <a:fillRect/>
+          </a:stretch>
+        </p:blipFill>
+        <p:spPr>
+          <a:xfrm>
+            <a:off x="1307008" y="2670747"/>
+            <a:ext cx="4647236" cy="3485427"/>
+          </a:xfrm>
+          <a:prstGeom prst="rect">
+            <a:avLst/>
+          </a:prstGeom>
+        </p:spPr>
+      </p:pic>
+      <p:sp>
+        <p:nvSpPr>
+          <p:cNvPr id="3" name="TextBox 2">
+            <a:extLst>
+              <a:ext uri="{FF2B5EF4-FFF2-40B4-BE49-F238E27FC236}">
+                <a16:creationId xmlns:a16="http://schemas.microsoft.com/office/drawing/2014/main" id="{1FC45DA1-6559-3200-D9B5-46073669444D}"/>
+              </a:ext>
+            </a:extLst>
+          </p:cNvPr>
+          <p:cNvSpPr txBox="1"/>
+          <p:nvPr/>
+        </p:nvSpPr>
+        <p:spPr>
+          <a:xfrm>
+            <a:off x="6517642" y="2147527"/>
+            <a:ext cx="3520440" cy="523220"/>
+          </a:xfrm>
+          <a:prstGeom prst="rect">
+            <a:avLst/>
+          </a:prstGeom>
+          <a:noFill/>
+        </p:spPr>
+        <p:txBody>
+          <a:bodyPr wrap="square" rtlCol="0">
+            <a:spAutoFit/>
+          </a:bodyPr>
+          <a:lstStyle/>
+          <a:p>
+            <a:pPr algn="ctr"/>
+            <a:r>
+              <a:rPr lang="en-US" sz="2800" i="0" dirty="0">
+                <a:effectLst/>
+                <a:latin typeface="Söhne"/>
+              </a:rPr>
+              <a:t>Pfizer Inc.</a:t>
+            </a:r>
+            <a:endParaRPr lang="en-US" sz="2800" dirty="0"/>
+          </a:p>
+        </p:txBody>
+      </p:sp>
+      <p:sp>
+        <p:nvSpPr>
+          <p:cNvPr id="7" name="Footer Placeholder 23">
+            <a:extLst>
+              <a:ext uri="{FF2B5EF4-FFF2-40B4-BE49-F238E27FC236}">
+                <a16:creationId xmlns:a16="http://schemas.microsoft.com/office/drawing/2014/main" id="{388A07FB-D142-7BC8-DE2C-ABC69E2EFE92}"/>
+              </a:ext>
+            </a:extLst>
+          </p:cNvPr>
+          <p:cNvSpPr txBox="1">
+            <a:spLocks/>
+          </p:cNvSpPr>
+          <p:nvPr/>
+        </p:nvSpPr>
+        <p:spPr>
+          <a:xfrm>
+            <a:off x="6220461" y="6156173"/>
+            <a:ext cx="4114800" cy="365125"/>
+          </a:xfrm>
+          <a:prstGeom prst="rect">
+            <a:avLst/>
+          </a:prstGeom>
+        </p:spPr>
+        <p:txBody>
+          <a:bodyPr vert="horz" lIns="91440" tIns="45720" rIns="91440" bIns="45720" rtlCol="0" anchor="ctr"/>
+          <a:lstStyle>
+            <a:defPPr>
+              <a:defRPr lang="en-US"/>
+            </a:defPPr>
+            <a:lvl1pPr marL="0" algn="ctr" defTabSz="914400" rtl="0" eaLnBrk="1" latinLnBrk="0" hangingPunct="1">
+              <a:defRPr sz="900" kern="1200">
+                <a:solidFill>
+                  <a:schemeClr val="tx1">
+                    <a:tint val="75000"/>
+                  </a:schemeClr>
+                </a:solidFill>
+                <a:latin typeface="+mn-lt"/>
+                <a:ea typeface="+mn-ea"/>
+                <a:cs typeface="+mn-cs"/>
+              </a:defRPr>
+            </a:lvl1pPr>
+            <a:lvl2pPr marL="457200" algn="l" defTabSz="914400" rtl="0" eaLnBrk="1" latinLnBrk="0" hangingPunct="1">
+              <a:defRPr sz="1800" kern="1200">
+                <a:solidFill>
+                  <a:schemeClr val="tx1"/>
+                </a:solidFill>
+                <a:latin typeface="+mn-lt"/>
+                <a:ea typeface="+mn-ea"/>
+                <a:cs typeface="+mn-cs"/>
+              </a:defRPr>
+            </a:lvl2pPr>
+            <a:lvl3pPr marL="914400" algn="l" defTabSz="914400" rtl="0" eaLnBrk="1" latinLnBrk="0" hangingPunct="1">
+              <a:defRPr sz="1800" kern="1200">
+                <a:solidFill>
+                  <a:schemeClr val="tx1"/>
+                </a:solidFill>
+                <a:latin typeface="+mn-lt"/>
+                <a:ea typeface="+mn-ea"/>
+                <a:cs typeface="+mn-cs"/>
+              </a:defRPr>
+            </a:lvl3pPr>
+            <a:lvl4pPr marL="1371600" algn="l" defTabSz="914400" rtl="0" eaLnBrk="1" latinLnBrk="0" hangingPunct="1">
+              <a:defRPr sz="1800" kern="1200">
+                <a:solidFill>
+                  <a:schemeClr val="tx1"/>
+                </a:solidFill>
+                <a:latin typeface="+mn-lt"/>
+                <a:ea typeface="+mn-ea"/>
+                <a:cs typeface="+mn-cs"/>
+              </a:defRPr>
+            </a:lvl4pPr>
+            <a:lvl5pPr marL="1828800" algn="l" defTabSz="914400" rtl="0" eaLnBrk="1" latinLnBrk="0" hangingPunct="1">
+              <a:defRPr sz="1800" kern="1200">
+                <a:solidFill>
+                  <a:schemeClr val="tx1"/>
+                </a:solidFill>
+                <a:latin typeface="+mn-lt"/>
+                <a:ea typeface="+mn-ea"/>
+                <a:cs typeface="+mn-cs"/>
+              </a:defRPr>
+            </a:lvl5pPr>
+            <a:lvl6pPr marL="2286000" algn="l" defTabSz="914400" rtl="0" eaLnBrk="1" latinLnBrk="0" hangingPunct="1">
+              <a:defRPr sz="1800" kern="1200">
+                <a:solidFill>
+                  <a:schemeClr val="tx1"/>
+                </a:solidFill>
+                <a:latin typeface="+mn-lt"/>
+                <a:ea typeface="+mn-ea"/>
+                <a:cs typeface="+mn-cs"/>
+              </a:defRPr>
+            </a:lvl6pPr>
+            <a:lvl7pPr marL="2743200" algn="l" defTabSz="914400" rtl="0" eaLnBrk="1" latinLnBrk="0" hangingPunct="1">
+              <a:defRPr sz="1800" kern="1200">
+                <a:solidFill>
+                  <a:schemeClr val="tx1"/>
+                </a:solidFill>
+                <a:latin typeface="+mn-lt"/>
+                <a:ea typeface="+mn-ea"/>
+                <a:cs typeface="+mn-cs"/>
+              </a:defRPr>
+            </a:lvl7pPr>
+            <a:lvl8pPr marL="3200400" algn="l" defTabSz="914400" rtl="0" eaLnBrk="1" latinLnBrk="0" hangingPunct="1">
+              <a:defRPr sz="1800" kern="1200">
+                <a:solidFill>
+                  <a:schemeClr val="tx1"/>
+                </a:solidFill>
+                <a:latin typeface="+mn-lt"/>
+                <a:ea typeface="+mn-ea"/>
+                <a:cs typeface="+mn-cs"/>
+              </a:defRPr>
+            </a:lvl8pPr>
+            <a:lvl9pPr marL="3657600" algn="l" defTabSz="914400" rtl="0" eaLnBrk="1" latinLnBrk="0" hangingPunct="1">
+              <a:defRPr sz="1800" kern="1200">
+                <a:solidFill>
+                  <a:schemeClr val="tx1"/>
+                </a:solidFill>
+                <a:latin typeface="+mn-lt"/>
+                <a:ea typeface="+mn-ea"/>
+                <a:cs typeface="+mn-cs"/>
+              </a:defRPr>
+            </a:lvl9pPr>
+          </a:lstStyle>
+          <a:p>
+            <a:r>
+              <a:rPr lang="en-US" dirty="0"/>
+              <a:t>Irfan</a:t>
+            </a:r>
+          </a:p>
+        </p:txBody>
+      </p:sp>
+      <p:pic>
+        <p:nvPicPr>
+          <p:cNvPr id="9" name="Picture 8" descr="A graph with numbers and a line&#10;&#10;Description automatically generated">
+            <a:extLst>
+              <a:ext uri="{FF2B5EF4-FFF2-40B4-BE49-F238E27FC236}">
+                <a16:creationId xmlns:a16="http://schemas.microsoft.com/office/drawing/2014/main" id="{81A6EF8C-F841-0499-AA5F-7054F5B0557D}"/>
+              </a:ext>
+            </a:extLst>
+          </p:cNvPr>
+          <p:cNvPicPr>
+            <a:picLocks noChangeAspect="1"/>
+          </p:cNvPicPr>
+          <p:nvPr/>
+        </p:nvPicPr>
+        <p:blipFill>
+          <a:blip r:embed="rId3"/>
+          <a:stretch>
+            <a:fillRect/>
+          </a:stretch>
+        </p:blipFill>
+        <p:spPr>
+          <a:xfrm>
+            <a:off x="6095999" y="2673627"/>
+            <a:ext cx="4647236" cy="3485427"/>
+          </a:xfrm>
+          <a:prstGeom prst="rect">
+            <a:avLst/>
+          </a:prstGeom>
+        </p:spPr>
+      </p:pic>
+    </p:spTree>
+    <p:extLst>
+      <p:ext uri="{BB962C8B-B14F-4D97-AF65-F5344CB8AC3E}">
+        <p14:creationId xmlns:p14="http://schemas.microsoft.com/office/powerpoint/2010/main" val="3725443950"/>
+      </p:ext>
+    </p:extLst>
+  </p:cSld>
+  <p:clrMapOvr>
+    <a:masterClrMapping/>
+  </p:clrMapOvr>
+</p:sld>
+</file>
+
+<file path=ppt/slides/slide12.xml><?xml version="1.0" encoding="utf-8"?>
+<p:sld xmlns:a="http://schemas.openxmlformats.org/drawingml/2006/main" xmlns:r="http://schemas.openxmlformats.org/officeDocument/2006/relationships" xmlns:p="http://schemas.openxmlformats.org/presentationml/2006/main">
+  <p:cSld>
+    <p:spTree>
+      <p:nvGrpSpPr>
+        <p:cNvPr id="1" name=""/>
+        <p:cNvGrpSpPr/>
+        <p:nvPr/>
+      </p:nvGrpSpPr>
+      <p:grpSpPr>
+        <a:xfrm>
+          <a:off x="0" y="0"/>
+          <a:ext cx="0" cy="0"/>
+          <a:chOff x="0" y="0"/>
+          <a:chExt cx="0" cy="0"/>
+        </a:xfrm>
+      </p:grpSpPr>
+      <p:sp>
+        <p:nvSpPr>
+          <p:cNvPr id="2" name="Title 1">
+            <a:extLst>
+              <a:ext uri="{FF2B5EF4-FFF2-40B4-BE49-F238E27FC236}">
+                <a16:creationId xmlns:a16="http://schemas.microsoft.com/office/drawing/2014/main" id="{4F6A2D15-4D68-4BF7-9421-032AE6C8852C}"/>
+              </a:ext>
+            </a:extLst>
+          </p:cNvPr>
+          <p:cNvSpPr>
+            <a:spLocks noGrp="1"/>
+          </p:cNvSpPr>
+          <p:nvPr>
+            <p:ph type="title"/>
+          </p:nvPr>
+        </p:nvSpPr>
+        <p:spPr>
+          <a:xfrm>
+            <a:off x="1307008" y="336701"/>
+            <a:ext cx="9577983" cy="1325563"/>
+          </a:xfrm>
+        </p:spPr>
+        <p:txBody>
+          <a:bodyPr/>
+          <a:lstStyle/>
+          <a:p>
+            <a:r>
+              <a:rPr lang="en-US" dirty="0"/>
+              <a:t>How have the stock trends performed over time? can we Predict Future Trends?</a:t>
+            </a:r>
+          </a:p>
+        </p:txBody>
+      </p:sp>
+      <p:sp>
+        <p:nvSpPr>
+          <p:cNvPr id="24" name="Footer Placeholder 23">
+            <a:extLst>
+              <a:ext uri="{FF2B5EF4-FFF2-40B4-BE49-F238E27FC236}">
+                <a16:creationId xmlns:a16="http://schemas.microsoft.com/office/drawing/2014/main" id="{918C3C97-444D-4600-8553-B9C4C1F8483B}"/>
+              </a:ext>
+            </a:extLst>
+          </p:cNvPr>
+          <p:cNvSpPr>
+            <a:spLocks noGrp="1"/>
+          </p:cNvSpPr>
+          <p:nvPr>
+            <p:ph type="ftr" sz="quarter" idx="11"/>
+          </p:nvPr>
+        </p:nvSpPr>
+        <p:spPr>
+          <a:xfrm>
+            <a:off x="1573227" y="6156174"/>
+            <a:ext cx="4114800" cy="365125"/>
+          </a:xfrm>
+        </p:spPr>
+        <p:txBody>
+          <a:bodyPr/>
+          <a:lstStyle/>
+          <a:p>
+            <a:r>
+              <a:rPr lang="en-US" dirty="0"/>
+              <a:t>Irfan</a:t>
+            </a:r>
+          </a:p>
+        </p:txBody>
+      </p:sp>
+      <p:sp>
+        <p:nvSpPr>
+          <p:cNvPr id="5" name="TextBox 4">
+            <a:extLst>
+              <a:ext uri="{FF2B5EF4-FFF2-40B4-BE49-F238E27FC236}">
+                <a16:creationId xmlns:a16="http://schemas.microsoft.com/office/drawing/2014/main" id="{2254930C-D835-67EE-67EE-F1F5BDA45880}"/>
+              </a:ext>
+            </a:extLst>
+          </p:cNvPr>
+          <p:cNvSpPr txBox="1"/>
+          <p:nvPr/>
+        </p:nvSpPr>
+        <p:spPr>
+          <a:xfrm>
+            <a:off x="1870406" y="2147527"/>
+            <a:ext cx="3520440" cy="523220"/>
+          </a:xfrm>
+          <a:prstGeom prst="rect">
+            <a:avLst/>
+          </a:prstGeom>
+          <a:noFill/>
+        </p:spPr>
+        <p:txBody>
+          <a:bodyPr wrap="square" rtlCol="0">
+            <a:spAutoFit/>
+          </a:bodyPr>
+          <a:lstStyle/>
+          <a:p>
+            <a:pPr algn="ctr"/>
+            <a:r>
+              <a:rPr lang="en-US" sz="2800" i="0" dirty="0" err="1">
+                <a:effectLst/>
+                <a:latin typeface="Söhne"/>
+              </a:rPr>
+              <a:t>Viatris</a:t>
+            </a:r>
+            <a:r>
+              <a:rPr lang="en-US" sz="2800" i="0" dirty="0">
+                <a:effectLst/>
+                <a:latin typeface="Söhne"/>
+              </a:rPr>
+              <a:t> Inc.</a:t>
+            </a:r>
+            <a:endParaRPr lang="en-US" sz="2800" dirty="0"/>
+          </a:p>
+        </p:txBody>
+      </p:sp>
+      <p:sp>
+        <p:nvSpPr>
+          <p:cNvPr id="3" name="TextBox 2">
+            <a:extLst>
+              <a:ext uri="{FF2B5EF4-FFF2-40B4-BE49-F238E27FC236}">
+                <a16:creationId xmlns:a16="http://schemas.microsoft.com/office/drawing/2014/main" id="{1FC45DA1-6559-3200-D9B5-46073669444D}"/>
+              </a:ext>
+            </a:extLst>
+          </p:cNvPr>
+          <p:cNvSpPr txBox="1"/>
+          <p:nvPr/>
+        </p:nvSpPr>
+        <p:spPr>
+          <a:xfrm>
+            <a:off x="6517642" y="2147527"/>
+            <a:ext cx="3520440" cy="523220"/>
+          </a:xfrm>
+          <a:prstGeom prst="rect">
+            <a:avLst/>
+          </a:prstGeom>
+          <a:noFill/>
+        </p:spPr>
+        <p:txBody>
+          <a:bodyPr wrap="square" rtlCol="0">
+            <a:spAutoFit/>
+          </a:bodyPr>
+          <a:lstStyle/>
+          <a:p>
+            <a:pPr algn="ctr"/>
+            <a:r>
+              <a:rPr lang="en-US" sz="2800" i="0" dirty="0">
+                <a:effectLst/>
+                <a:latin typeface="Söhne"/>
+              </a:rPr>
+              <a:t>Zoetis Inc.</a:t>
+            </a:r>
+            <a:endParaRPr lang="en-US" sz="2800" dirty="0"/>
+          </a:p>
+        </p:txBody>
+      </p:sp>
+      <p:sp>
+        <p:nvSpPr>
+          <p:cNvPr id="7" name="Footer Placeholder 23">
+            <a:extLst>
+              <a:ext uri="{FF2B5EF4-FFF2-40B4-BE49-F238E27FC236}">
+                <a16:creationId xmlns:a16="http://schemas.microsoft.com/office/drawing/2014/main" id="{388A07FB-D142-7BC8-DE2C-ABC69E2EFE92}"/>
+              </a:ext>
+            </a:extLst>
+          </p:cNvPr>
+          <p:cNvSpPr txBox="1">
+            <a:spLocks/>
+          </p:cNvSpPr>
+          <p:nvPr/>
+        </p:nvSpPr>
+        <p:spPr>
+          <a:xfrm>
+            <a:off x="6220461" y="6156173"/>
+            <a:ext cx="4114800" cy="365125"/>
+          </a:xfrm>
+          <a:prstGeom prst="rect">
+            <a:avLst/>
+          </a:prstGeom>
+        </p:spPr>
+        <p:txBody>
+          <a:bodyPr vert="horz" lIns="91440" tIns="45720" rIns="91440" bIns="45720" rtlCol="0" anchor="ctr"/>
+          <a:lstStyle>
+            <a:defPPr>
+              <a:defRPr lang="en-US"/>
+            </a:defPPr>
+            <a:lvl1pPr marL="0" algn="ctr" defTabSz="914400" rtl="0" eaLnBrk="1" latinLnBrk="0" hangingPunct="1">
+              <a:defRPr sz="900" kern="1200">
+                <a:solidFill>
+                  <a:schemeClr val="tx1">
+                    <a:tint val="75000"/>
+                  </a:schemeClr>
+                </a:solidFill>
+                <a:latin typeface="+mn-lt"/>
+                <a:ea typeface="+mn-ea"/>
+                <a:cs typeface="+mn-cs"/>
+              </a:defRPr>
+            </a:lvl1pPr>
+            <a:lvl2pPr marL="457200" algn="l" defTabSz="914400" rtl="0" eaLnBrk="1" latinLnBrk="0" hangingPunct="1">
+              <a:defRPr sz="1800" kern="1200">
+                <a:solidFill>
+                  <a:schemeClr val="tx1"/>
+                </a:solidFill>
+                <a:latin typeface="+mn-lt"/>
+                <a:ea typeface="+mn-ea"/>
+                <a:cs typeface="+mn-cs"/>
+              </a:defRPr>
+            </a:lvl2pPr>
+            <a:lvl3pPr marL="914400" algn="l" defTabSz="914400" rtl="0" eaLnBrk="1" latinLnBrk="0" hangingPunct="1">
+              <a:defRPr sz="1800" kern="1200">
+                <a:solidFill>
+                  <a:schemeClr val="tx1"/>
+                </a:solidFill>
+                <a:latin typeface="+mn-lt"/>
+                <a:ea typeface="+mn-ea"/>
+                <a:cs typeface="+mn-cs"/>
+              </a:defRPr>
+            </a:lvl3pPr>
+            <a:lvl4pPr marL="1371600" algn="l" defTabSz="914400" rtl="0" eaLnBrk="1" latinLnBrk="0" hangingPunct="1">
+              <a:defRPr sz="1800" kern="1200">
+                <a:solidFill>
+                  <a:schemeClr val="tx1"/>
+                </a:solidFill>
+                <a:latin typeface="+mn-lt"/>
+                <a:ea typeface="+mn-ea"/>
+                <a:cs typeface="+mn-cs"/>
+              </a:defRPr>
+            </a:lvl4pPr>
+            <a:lvl5pPr marL="1828800" algn="l" defTabSz="914400" rtl="0" eaLnBrk="1" latinLnBrk="0" hangingPunct="1">
+              <a:defRPr sz="1800" kern="1200">
+                <a:solidFill>
+                  <a:schemeClr val="tx1"/>
+                </a:solidFill>
+                <a:latin typeface="+mn-lt"/>
+                <a:ea typeface="+mn-ea"/>
+                <a:cs typeface="+mn-cs"/>
+              </a:defRPr>
+            </a:lvl5pPr>
+            <a:lvl6pPr marL="2286000" algn="l" defTabSz="914400" rtl="0" eaLnBrk="1" latinLnBrk="0" hangingPunct="1">
+              <a:defRPr sz="1800" kern="1200">
+                <a:solidFill>
+                  <a:schemeClr val="tx1"/>
+                </a:solidFill>
+                <a:latin typeface="+mn-lt"/>
+                <a:ea typeface="+mn-ea"/>
+                <a:cs typeface="+mn-cs"/>
+              </a:defRPr>
+            </a:lvl6pPr>
+            <a:lvl7pPr marL="2743200" algn="l" defTabSz="914400" rtl="0" eaLnBrk="1" latinLnBrk="0" hangingPunct="1">
+              <a:defRPr sz="1800" kern="1200">
+                <a:solidFill>
+                  <a:schemeClr val="tx1"/>
+                </a:solidFill>
+                <a:latin typeface="+mn-lt"/>
+                <a:ea typeface="+mn-ea"/>
+                <a:cs typeface="+mn-cs"/>
+              </a:defRPr>
+            </a:lvl7pPr>
+            <a:lvl8pPr marL="3200400" algn="l" defTabSz="914400" rtl="0" eaLnBrk="1" latinLnBrk="0" hangingPunct="1">
+              <a:defRPr sz="1800" kern="1200">
+                <a:solidFill>
+                  <a:schemeClr val="tx1"/>
+                </a:solidFill>
+                <a:latin typeface="+mn-lt"/>
+                <a:ea typeface="+mn-ea"/>
+                <a:cs typeface="+mn-cs"/>
+              </a:defRPr>
+            </a:lvl8pPr>
+            <a:lvl9pPr marL="3657600" algn="l" defTabSz="914400" rtl="0" eaLnBrk="1" latinLnBrk="0" hangingPunct="1">
+              <a:defRPr sz="1800" kern="1200">
+                <a:solidFill>
+                  <a:schemeClr val="tx1"/>
+                </a:solidFill>
+                <a:latin typeface="+mn-lt"/>
+                <a:ea typeface="+mn-ea"/>
+                <a:cs typeface="+mn-cs"/>
+              </a:defRPr>
+            </a:lvl9pPr>
+          </a:lstStyle>
+          <a:p>
+            <a:r>
+              <a:rPr lang="en-US" dirty="0"/>
+              <a:t>Irfan</a:t>
+            </a:r>
+          </a:p>
+        </p:txBody>
+      </p:sp>
+      <p:pic>
+        <p:nvPicPr>
+          <p:cNvPr id="9" name="Picture 8" descr="A graph with numbers and a red line&#10;&#10;Description automatically generated">
+            <a:extLst>
+              <a:ext uri="{FF2B5EF4-FFF2-40B4-BE49-F238E27FC236}">
+                <a16:creationId xmlns:a16="http://schemas.microsoft.com/office/drawing/2014/main" id="{DFC68EA8-1634-E48B-EADF-F5F9A6F45985}"/>
+              </a:ext>
+            </a:extLst>
+          </p:cNvPr>
+          <p:cNvPicPr>
+            <a:picLocks noChangeAspect="1"/>
+          </p:cNvPicPr>
+          <p:nvPr/>
+        </p:nvPicPr>
+        <p:blipFill>
+          <a:blip r:embed="rId2"/>
+          <a:stretch>
+            <a:fillRect/>
+          </a:stretch>
+        </p:blipFill>
+        <p:spPr>
+          <a:xfrm>
+            <a:off x="1307007" y="2680685"/>
+            <a:ext cx="4647236" cy="3485427"/>
+          </a:xfrm>
+          <a:prstGeom prst="rect">
+            <a:avLst/>
+          </a:prstGeom>
+        </p:spPr>
+      </p:pic>
+      <p:pic>
+        <p:nvPicPr>
+          <p:cNvPr id="11" name="Picture 10" descr="A graph with numbers and a red line&#10;&#10;Description automatically generated">
+            <a:extLst>
+              <a:ext uri="{FF2B5EF4-FFF2-40B4-BE49-F238E27FC236}">
+                <a16:creationId xmlns:a16="http://schemas.microsoft.com/office/drawing/2014/main" id="{AF90D637-C0A7-C147-1000-E4DAA25EA327}"/>
+              </a:ext>
+            </a:extLst>
+          </p:cNvPr>
+          <p:cNvPicPr>
+            <a:picLocks noChangeAspect="1"/>
+          </p:cNvPicPr>
+          <p:nvPr/>
+        </p:nvPicPr>
+        <p:blipFill>
+          <a:blip r:embed="rId3"/>
+          <a:stretch>
+            <a:fillRect/>
+          </a:stretch>
+        </p:blipFill>
+        <p:spPr>
+          <a:xfrm>
+            <a:off x="5954243" y="2680685"/>
+            <a:ext cx="4647236" cy="3485427"/>
+          </a:xfrm>
+          <a:prstGeom prst="rect">
+            <a:avLst/>
+          </a:prstGeom>
+        </p:spPr>
+      </p:pic>
+    </p:spTree>
+    <p:extLst>
+      <p:ext uri="{BB962C8B-B14F-4D97-AF65-F5344CB8AC3E}">
+        <p14:creationId xmlns:p14="http://schemas.microsoft.com/office/powerpoint/2010/main" val="4154536336"/>
+      </p:ext>
+    </p:extLst>
+  </p:cSld>
+  <p:clrMapOvr>
+    <a:masterClrMapping/>
+  </p:clrMapOvr>
+</p:sld>
+</file>
+
+<file path=ppt/slides/slide13.xml><?xml version="1.0" encoding="utf-8"?>
+<p:sld xmlns:a="http://schemas.openxmlformats.org/drawingml/2006/main" xmlns:r="http://schemas.openxmlformats.org/officeDocument/2006/relationships" xmlns:p="http://schemas.openxmlformats.org/presentationml/2006/main">
+  <p:cSld>
+    <p:spTree>
+      <p:nvGrpSpPr>
+        <p:cNvPr id="1" name=""/>
+        <p:cNvGrpSpPr/>
+        <p:nvPr/>
+      </p:nvGrpSpPr>
+      <p:grpSpPr>
+        <a:xfrm>
+          <a:off x="0" y="0"/>
+          <a:ext cx="0" cy="0"/>
+          <a:chOff x="0" y="0"/>
+          <a:chExt cx="0" cy="0"/>
+        </a:xfrm>
+      </p:grpSpPr>
+      <p:sp>
+        <p:nvSpPr>
+          <p:cNvPr id="2" name="Title 1">
+            <a:extLst>
+              <a:ext uri="{FF2B5EF4-FFF2-40B4-BE49-F238E27FC236}">
                 <a16:creationId xmlns:a16="http://schemas.microsoft.com/office/drawing/2014/main" id="{8BDF1EDE-5423-435C-B149-87AB1BC22B83}"/>
               </a:ext>
             </a:extLst>
@@ -10140,7 +10942,7 @@
             <a:fld id="{A49DFD55-3C28-40EF-9E31-A92D2E4017FF}" type="slidenum">
               <a:rPr lang="en-US" smtClean="0"/>
               <a:pPr/>
-              <a:t>11</a:t>
+              <a:t>13</a:t>
             </a:fld>
             <a:endParaRPr lang="en-US" dirty="0"/>
           </a:p>
@@ -11010,7 +11812,7 @@
           <p:cNvPr id="2" name="Title 1">
             <a:extLst>
               <a:ext uri="{FF2B5EF4-FFF2-40B4-BE49-F238E27FC236}">
-                <a16:creationId xmlns:a16="http://schemas.microsoft.com/office/drawing/2014/main" id="{4F6A2D15-4D68-4BF7-9421-032AE6C8852C}"/>
+                <a16:creationId xmlns:a16="http://schemas.microsoft.com/office/drawing/2014/main" id="{C52999EB-7966-833F-E871-94803A638EE4}"/>
               </a:ext>
             </a:extLst>
           </p:cNvPr>
@@ -11021,62 +11823,54 @@
             <p:ph type="title"/>
           </p:nvPr>
         </p:nvSpPr>
-        <p:spPr>
-          <a:xfrm>
-            <a:off x="1307008" y="336701"/>
-            <a:ext cx="9577983" cy="1325563"/>
-          </a:xfrm>
-        </p:spPr>
+        <p:spPr/>
         <p:txBody>
           <a:bodyPr/>
           <a:lstStyle/>
           <a:p>
             <a:r>
               <a:rPr lang="en-US" dirty="0"/>
-              <a:t>How have the stock trends performed over time?</a:t>
-            </a:r>
-          </a:p>
-        </p:txBody>
-      </p:sp>
-      <p:sp>
-        <p:nvSpPr>
-          <p:cNvPr id="24" name="Footer Placeholder 23">
-            <a:extLst>
-              <a:ext uri="{FF2B5EF4-FFF2-40B4-BE49-F238E27FC236}">
-                <a16:creationId xmlns:a16="http://schemas.microsoft.com/office/drawing/2014/main" id="{918C3C97-444D-4600-8553-B9C4C1F8483B}"/>
-              </a:ext>
-            </a:extLst>
-          </p:cNvPr>
-          <p:cNvSpPr>
-            <a:spLocks noGrp="1"/>
-          </p:cNvSpPr>
-          <p:nvPr>
-            <p:ph type="ftr" sz="quarter" idx="11"/>
-          </p:nvPr>
-        </p:nvSpPr>
-        <p:spPr>
-          <a:xfrm>
-            <a:off x="4038600" y="6356350"/>
-            <a:ext cx="4114800" cy="365125"/>
-          </a:xfrm>
-        </p:spPr>
+              <a:t>Overall Performance</a:t>
+            </a:r>
+          </a:p>
+        </p:txBody>
+      </p:sp>
+      <p:sp>
+        <p:nvSpPr>
+          <p:cNvPr id="6" name="Slide Number Placeholder 5">
+            <a:extLst>
+              <a:ext uri="{FF2B5EF4-FFF2-40B4-BE49-F238E27FC236}">
+                <a16:creationId xmlns:a16="http://schemas.microsoft.com/office/drawing/2014/main" id="{1565A3B2-2534-0B65-CE19-3E8466A7AFFE}"/>
+              </a:ext>
+            </a:extLst>
+          </p:cNvPr>
+          <p:cNvSpPr>
+            <a:spLocks noGrp="1"/>
+          </p:cNvSpPr>
+          <p:nvPr>
+            <p:ph type="sldNum" sz="quarter" idx="12"/>
+          </p:nvPr>
+        </p:nvSpPr>
+        <p:spPr/>
         <p:txBody>
           <a:bodyPr/>
           <a:lstStyle/>
           <a:p>
-            <a:r>
-              <a:rPr lang="en-US" dirty="0"/>
-              <a:t>Corey</a:t>
-            </a:r>
+            <a:fld id="{A49DFD55-3C28-40EF-9E31-A92D2E4017FF}" type="slidenum">
+              <a:rPr lang="en-US" smtClean="0"/>
+              <a:pPr/>
+              <a:t>6</a:t>
+            </a:fld>
+            <a:endParaRPr lang="en-US" dirty="0"/>
           </a:p>
         </p:txBody>
       </p:sp>
       <p:pic>
         <p:nvPicPr>
-          <p:cNvPr id="4" name="Picture 3" descr="A graph with blue dots and red line&#10;&#10;Description automatically generated">
-            <a:extLst>
-              <a:ext uri="{FF2B5EF4-FFF2-40B4-BE49-F238E27FC236}">
-                <a16:creationId xmlns:a16="http://schemas.microsoft.com/office/drawing/2014/main" id="{CED44DC4-1D1A-368B-42E3-4E728CCB576A}"/>
+          <p:cNvPr id="8" name="Picture 7" descr="A graph of different colored lines&#10;&#10;Description automatically generated">
+            <a:extLst>
+              <a:ext uri="{FF2B5EF4-FFF2-40B4-BE49-F238E27FC236}">
+                <a16:creationId xmlns:a16="http://schemas.microsoft.com/office/drawing/2014/main" id="{08F12CE8-52A9-3FAB-4F4E-37D2FDB970C1}"/>
               </a:ext>
             </a:extLst>
           </p:cNvPr>
@@ -11093,126 +11887,18 @@
         </p:blipFill>
         <p:spPr>
           <a:xfrm>
-            <a:off x="1307008" y="2948940"/>
-            <a:ext cx="4498404" cy="3373803"/>
+            <a:off x="2940812" y="1459866"/>
+            <a:ext cx="6310376" cy="4732782"/>
           </a:xfrm>
           <a:prstGeom prst="rect">
             <a:avLst/>
           </a:prstGeom>
         </p:spPr>
       </p:pic>
-      <p:sp>
-        <p:nvSpPr>
-          <p:cNvPr id="5" name="TextBox 4">
-            <a:extLst>
-              <a:ext uri="{FF2B5EF4-FFF2-40B4-BE49-F238E27FC236}">
-                <a16:creationId xmlns:a16="http://schemas.microsoft.com/office/drawing/2014/main" id="{2254930C-D835-67EE-67EE-F1F5BDA45880}"/>
-              </a:ext>
-            </a:extLst>
-          </p:cNvPr>
-          <p:cNvSpPr txBox="1"/>
-          <p:nvPr/>
-        </p:nvSpPr>
-        <p:spPr>
-          <a:xfrm>
-            <a:off x="1856232" y="2446020"/>
-            <a:ext cx="3520440" cy="523220"/>
-          </a:xfrm>
-          <a:prstGeom prst="rect">
-            <a:avLst/>
-          </a:prstGeom>
-          <a:noFill/>
-        </p:spPr>
-        <p:txBody>
-          <a:bodyPr wrap="square" rtlCol="0">
-            <a:spAutoFit/>
-          </a:bodyPr>
-          <a:lstStyle/>
-          <a:p>
-            <a:pPr algn="ctr"/>
-            <a:r>
-              <a:rPr lang="en-US" sz="2800" dirty="0"/>
-              <a:t>AbbVie Inc</a:t>
-            </a:r>
-          </a:p>
-        </p:txBody>
-      </p:sp>
-      <p:pic>
-        <p:nvPicPr>
-          <p:cNvPr id="7" name="Picture 6" descr="A graph with numbers and dots&#10;&#10;Description automatically generated">
-            <a:extLst>
-              <a:ext uri="{FF2B5EF4-FFF2-40B4-BE49-F238E27FC236}">
-                <a16:creationId xmlns:a16="http://schemas.microsoft.com/office/drawing/2014/main" id="{78F7721C-CC3A-DC1E-99A4-7541D84AE9A6}"/>
-              </a:ext>
-            </a:extLst>
-          </p:cNvPr>
-          <p:cNvPicPr>
-            <a:picLocks noChangeAspect="1"/>
-          </p:cNvPicPr>
-          <p:nvPr/>
-        </p:nvPicPr>
-        <p:blipFill>
-          <a:blip r:embed="rId3"/>
-          <a:stretch>
-            <a:fillRect/>
-          </a:stretch>
-        </p:blipFill>
-        <p:spPr>
-          <a:xfrm>
-            <a:off x="6460235" y="3008495"/>
-            <a:ext cx="4463807" cy="3347855"/>
-          </a:xfrm>
-          <a:prstGeom prst="rect">
-            <a:avLst/>
-          </a:prstGeom>
-        </p:spPr>
-      </p:pic>
-      <p:sp>
-        <p:nvSpPr>
-          <p:cNvPr id="8" name="TextBox 7">
-            <a:extLst>
-              <a:ext uri="{FF2B5EF4-FFF2-40B4-BE49-F238E27FC236}">
-                <a16:creationId xmlns:a16="http://schemas.microsoft.com/office/drawing/2014/main" id="{3FDF9D8D-C677-0576-3FE3-CC3578FA803A}"/>
-              </a:ext>
-            </a:extLst>
-          </p:cNvPr>
-          <p:cNvSpPr txBox="1"/>
-          <p:nvPr/>
-        </p:nvSpPr>
-        <p:spPr>
-          <a:xfrm>
-            <a:off x="6931918" y="2166316"/>
-            <a:ext cx="3520440" cy="954107"/>
-          </a:xfrm>
-          <a:prstGeom prst="rect">
-            <a:avLst/>
-          </a:prstGeom>
-          <a:noFill/>
-        </p:spPr>
-        <p:txBody>
-          <a:bodyPr wrap="square" rtlCol="0">
-            <a:spAutoFit/>
-          </a:bodyPr>
-          <a:lstStyle/>
-          <a:p>
-            <a:pPr algn="ctr"/>
-            <a:r>
-              <a:rPr lang="en-US" sz="2800" b="0" i="0" dirty="0">
-                <a:solidFill>
-                  <a:srgbClr val="202124"/>
-                </a:solidFill>
-                <a:effectLst/>
-              </a:rPr>
-              <a:t>Bristol-Myers Squibb Co</a:t>
-            </a:r>
-            <a:endParaRPr lang="en-US" sz="2800" dirty="0"/>
-          </a:p>
-        </p:txBody>
-      </p:sp>
     </p:spTree>
     <p:extLst>
       <p:ext uri="{BB962C8B-B14F-4D97-AF65-F5344CB8AC3E}">
-        <p14:creationId xmlns:p14="http://schemas.microsoft.com/office/powerpoint/2010/main" val="2619301236"/>
+        <p14:creationId xmlns:p14="http://schemas.microsoft.com/office/powerpoint/2010/main" val="2907688502"/>
       </p:ext>
     </p:extLst>
   </p:cSld>
@@ -11244,7 +11930,7 @@
           <p:cNvPr id="2" name="Title 1">
             <a:extLst>
               <a:ext uri="{FF2B5EF4-FFF2-40B4-BE49-F238E27FC236}">
-                <a16:creationId xmlns:a16="http://schemas.microsoft.com/office/drawing/2014/main" id="{4F6A2D15-4D68-4BF7-9421-032AE6C8852C}"/>
+                <a16:creationId xmlns:a16="http://schemas.microsoft.com/office/drawing/2014/main" id="{3E25B60B-1A57-4F79-992B-C85E46A8A943}"/>
               </a:ext>
             </a:extLst>
           </p:cNvPr>
@@ -11255,146 +11941,54 @@
             <p:ph type="title"/>
           </p:nvPr>
         </p:nvSpPr>
-        <p:spPr>
-          <a:xfrm>
-            <a:off x="1307008" y="336701"/>
-            <a:ext cx="9577983" cy="1325563"/>
-          </a:xfrm>
-        </p:spPr>
+        <p:spPr/>
         <p:txBody>
           <a:bodyPr/>
           <a:lstStyle/>
           <a:p>
             <a:r>
               <a:rPr lang="en-US" dirty="0"/>
-              <a:t>How have the stock trends performed over time?</a:t>
-            </a:r>
-          </a:p>
-        </p:txBody>
-      </p:sp>
-      <p:sp>
-        <p:nvSpPr>
-          <p:cNvPr id="24" name="Footer Placeholder 23">
-            <a:extLst>
-              <a:ext uri="{FF2B5EF4-FFF2-40B4-BE49-F238E27FC236}">
-                <a16:creationId xmlns:a16="http://schemas.microsoft.com/office/drawing/2014/main" id="{918C3C97-444D-4600-8553-B9C4C1F8483B}"/>
-              </a:ext>
-            </a:extLst>
-          </p:cNvPr>
-          <p:cNvSpPr>
-            <a:spLocks noGrp="1"/>
-          </p:cNvSpPr>
-          <p:nvPr>
-            <p:ph type="ftr" sz="quarter" idx="11"/>
-          </p:nvPr>
-        </p:nvSpPr>
-        <p:spPr>
-          <a:xfrm>
-            <a:off x="4038600" y="6356350"/>
-            <a:ext cx="4114800" cy="365125"/>
-          </a:xfrm>
-        </p:spPr>
+              <a:t>Same Data. Two Stories</a:t>
+            </a:r>
+          </a:p>
+        </p:txBody>
+      </p:sp>
+      <p:sp>
+        <p:nvSpPr>
+          <p:cNvPr id="6" name="Slide Number Placeholder 5">
+            <a:extLst>
+              <a:ext uri="{FF2B5EF4-FFF2-40B4-BE49-F238E27FC236}">
+                <a16:creationId xmlns:a16="http://schemas.microsoft.com/office/drawing/2014/main" id="{ED3726F8-788B-0A71-C017-C2F40CE573AE}"/>
+              </a:ext>
+            </a:extLst>
+          </p:cNvPr>
+          <p:cNvSpPr>
+            <a:spLocks noGrp="1"/>
+          </p:cNvSpPr>
+          <p:nvPr>
+            <p:ph type="sldNum" sz="quarter" idx="12"/>
+          </p:nvPr>
+        </p:nvSpPr>
+        <p:spPr/>
         <p:txBody>
           <a:bodyPr/>
           <a:lstStyle/>
           <a:p>
-            <a:r>
-              <a:rPr lang="en-US" dirty="0"/>
-              <a:t>Corey</a:t>
-            </a:r>
-          </a:p>
-        </p:txBody>
-      </p:sp>
-      <p:sp>
-        <p:nvSpPr>
-          <p:cNvPr id="5" name="TextBox 4">
-            <a:extLst>
-              <a:ext uri="{FF2B5EF4-FFF2-40B4-BE49-F238E27FC236}">
-                <a16:creationId xmlns:a16="http://schemas.microsoft.com/office/drawing/2014/main" id="{2254930C-D835-67EE-67EE-F1F5BDA45880}"/>
-              </a:ext>
-            </a:extLst>
-          </p:cNvPr>
-          <p:cNvSpPr txBox="1"/>
-          <p:nvPr/>
-        </p:nvSpPr>
-        <p:spPr>
-          <a:xfrm>
-            <a:off x="1856232" y="2446020"/>
-            <a:ext cx="3520440" cy="523220"/>
-          </a:xfrm>
-          <a:prstGeom prst="rect">
-            <a:avLst/>
-          </a:prstGeom>
-          <a:noFill/>
-        </p:spPr>
-        <p:txBody>
-          <a:bodyPr wrap="square" rtlCol="0">
-            <a:spAutoFit/>
-          </a:bodyPr>
-          <a:lstStyle/>
-          <a:p>
-            <a:pPr algn="ctr"/>
-            <a:r>
-              <a:rPr lang="en-US" sz="2800" b="0" i="0" dirty="0">
-                <a:solidFill>
-                  <a:srgbClr val="202124"/>
-                </a:solidFill>
-                <a:effectLst/>
-              </a:rPr>
-              <a:t>Catalent Inc</a:t>
-            </a:r>
-            <a:endParaRPr lang="en-US" sz="2800" dirty="0"/>
-          </a:p>
-        </p:txBody>
-      </p:sp>
-      <p:sp>
-        <p:nvSpPr>
-          <p:cNvPr id="8" name="TextBox 7">
-            <a:extLst>
-              <a:ext uri="{FF2B5EF4-FFF2-40B4-BE49-F238E27FC236}">
-                <a16:creationId xmlns:a16="http://schemas.microsoft.com/office/drawing/2014/main" id="{3FDF9D8D-C677-0576-3FE3-CC3578FA803A}"/>
-              </a:ext>
-            </a:extLst>
-          </p:cNvPr>
-          <p:cNvSpPr txBox="1"/>
-          <p:nvPr/>
-        </p:nvSpPr>
-        <p:spPr>
-          <a:xfrm>
-            <a:off x="6896805" y="2446020"/>
-            <a:ext cx="3520440" cy="523220"/>
-          </a:xfrm>
-          <a:prstGeom prst="rect">
-            <a:avLst/>
-          </a:prstGeom>
-          <a:noFill/>
-        </p:spPr>
-        <p:txBody>
-          <a:bodyPr wrap="square" rtlCol="0">
-            <a:spAutoFit/>
-          </a:bodyPr>
-          <a:lstStyle/>
-          <a:p>
-            <a:pPr algn="ctr"/>
-            <a:r>
-              <a:rPr lang="en-US" sz="2800" b="0" i="0" dirty="0">
-                <a:solidFill>
-                  <a:srgbClr val="202124"/>
-                </a:solidFill>
-                <a:effectLst/>
-              </a:rPr>
-              <a:t>Eli Lilly And Co</a:t>
-            </a:r>
-            <a:endParaRPr lang="en-US" sz="2800" dirty="0"/>
+            <a:fld id="{A49DFD55-3C28-40EF-9E31-A92D2E4017FF}" type="slidenum">
+              <a:rPr lang="en-US" smtClean="0"/>
+              <a:pPr/>
+              <a:t>7</a:t>
+            </a:fld>
+            <a:endParaRPr lang="en-US" dirty="0"/>
           </a:p>
         </p:txBody>
       </p:sp>
       <p:pic>
         <p:nvPicPr>
-          <p:cNvPr id="6" name="Picture 5" descr="A graph with numbers and dots&#10;&#10;Description automatically generated">
-            <a:extLst>
-              <a:ext uri="{FF2B5EF4-FFF2-40B4-BE49-F238E27FC236}">
-                <a16:creationId xmlns:a16="http://schemas.microsoft.com/office/drawing/2014/main" id="{15ADADC0-C9CB-2B06-30B3-A550F16D2BE1}"/>
+          <p:cNvPr id="8" name="Picture 7" descr="A graph of different colored lines&#10;&#10;Description automatically generated">
+            <a:extLst>
+              <a:ext uri="{FF2B5EF4-FFF2-40B4-BE49-F238E27FC236}">
+                <a16:creationId xmlns:a16="http://schemas.microsoft.com/office/drawing/2014/main" id="{01AE06ED-7720-0E03-6F5F-9CE27BC0D5A9}"/>
               </a:ext>
             </a:extLst>
           </p:cNvPr>
@@ -11411,8 +12005,8 @@
         </p:blipFill>
         <p:spPr>
           <a:xfrm>
-            <a:off x="1424115" y="3090980"/>
-            <a:ext cx="4314569" cy="3235927"/>
+            <a:off x="6096000" y="1459866"/>
+            <a:ext cx="5842000" cy="4381500"/>
           </a:xfrm>
           <a:prstGeom prst="rect">
             <a:avLst/>
@@ -11421,10 +12015,10 @@
       </p:pic>
       <p:pic>
         <p:nvPicPr>
-          <p:cNvPr id="10" name="Picture 9" descr="A graph with numbers and a line&#10;&#10;Description automatically generated">
-            <a:extLst>
-              <a:ext uri="{FF2B5EF4-FFF2-40B4-BE49-F238E27FC236}">
-                <a16:creationId xmlns:a16="http://schemas.microsoft.com/office/drawing/2014/main" id="{809AC9D6-CE00-738A-324C-0296434FCBD1}"/>
+          <p:cNvPr id="10" name="Picture 9" descr="A graph of different colored lines&#10;&#10;Description automatically generated">
+            <a:extLst>
+              <a:ext uri="{FF2B5EF4-FFF2-40B4-BE49-F238E27FC236}">
+                <a16:creationId xmlns:a16="http://schemas.microsoft.com/office/drawing/2014/main" id="{AB3D5A10-F1C4-A371-2C98-AB5AA4D03793}"/>
               </a:ext>
             </a:extLst>
           </p:cNvPr>
@@ -11441,8 +12035,8 @@
         </p:blipFill>
         <p:spPr>
           <a:xfrm>
-            <a:off x="6499740" y="3120423"/>
-            <a:ext cx="4314570" cy="3235928"/>
+            <a:off x="254000" y="1459866"/>
+            <a:ext cx="5842000" cy="4381500"/>
           </a:xfrm>
           <a:prstGeom prst="rect">
             <a:avLst/>
@@ -11452,7 +12046,7 @@
     </p:spTree>
     <p:extLst>
       <p:ext uri="{BB962C8B-B14F-4D97-AF65-F5344CB8AC3E}">
-        <p14:creationId xmlns:p14="http://schemas.microsoft.com/office/powerpoint/2010/main" val="1609375222"/>
+        <p14:creationId xmlns:p14="http://schemas.microsoft.com/office/powerpoint/2010/main" val="532099276"/>
       </p:ext>
     </p:extLst>
   </p:cSld>
@@ -11507,7 +12101,7 @@
           <a:p>
             <a:r>
               <a:rPr lang="en-US" dirty="0"/>
-              <a:t>How have the stock trends performed over time?</a:t>
+              <a:t>How have the stock trends performed over time? can we Predict Future Trends?</a:t>
             </a:r>
           </a:p>
         </p:txBody>
@@ -11540,101 +12134,17 @@
           <a:p>
             <a:r>
               <a:rPr lang="en-US" dirty="0"/>
-              <a:t>Jackson</a:t>
-            </a:r>
-          </a:p>
-        </p:txBody>
-      </p:sp>
-      <p:sp>
-        <p:nvSpPr>
-          <p:cNvPr id="5" name="TextBox 4">
-            <a:extLst>
-              <a:ext uri="{FF2B5EF4-FFF2-40B4-BE49-F238E27FC236}">
-                <a16:creationId xmlns:a16="http://schemas.microsoft.com/office/drawing/2014/main" id="{2254930C-D835-67EE-67EE-F1F5BDA45880}"/>
-              </a:ext>
-            </a:extLst>
-          </p:cNvPr>
-          <p:cNvSpPr txBox="1"/>
-          <p:nvPr/>
-        </p:nvSpPr>
-        <p:spPr>
-          <a:xfrm>
-            <a:off x="1856232" y="2446020"/>
-            <a:ext cx="3520440" cy="523220"/>
-          </a:xfrm>
-          <a:prstGeom prst="rect">
-            <a:avLst/>
-          </a:prstGeom>
-          <a:noFill/>
-        </p:spPr>
-        <p:txBody>
-          <a:bodyPr wrap="square" rtlCol="0">
-            <a:spAutoFit/>
-          </a:bodyPr>
-          <a:lstStyle/>
-          <a:p>
-            <a:pPr algn="ctr"/>
-            <a:r>
-              <a:rPr lang="en-US" sz="2800" b="0" i="0" dirty="0">
-                <a:solidFill>
-                  <a:srgbClr val="202124"/>
-                </a:solidFill>
-                <a:effectLst/>
-              </a:rPr>
-              <a:t>Johnson &amp; Johnson</a:t>
-            </a:r>
-            <a:endParaRPr lang="en-US" sz="2800" dirty="0"/>
-          </a:p>
-        </p:txBody>
-      </p:sp>
-      <p:sp>
-        <p:nvSpPr>
-          <p:cNvPr id="8" name="TextBox 7">
-            <a:extLst>
-              <a:ext uri="{FF2B5EF4-FFF2-40B4-BE49-F238E27FC236}">
-                <a16:creationId xmlns:a16="http://schemas.microsoft.com/office/drawing/2014/main" id="{3FDF9D8D-C677-0576-3FE3-CC3578FA803A}"/>
-              </a:ext>
-            </a:extLst>
-          </p:cNvPr>
-          <p:cNvSpPr txBox="1"/>
-          <p:nvPr/>
-        </p:nvSpPr>
-        <p:spPr>
-          <a:xfrm>
-            <a:off x="6888260" y="2446020"/>
-            <a:ext cx="3520440" cy="523220"/>
-          </a:xfrm>
-          <a:prstGeom prst="rect">
-            <a:avLst/>
-          </a:prstGeom>
-          <a:noFill/>
-        </p:spPr>
-        <p:txBody>
-          <a:bodyPr wrap="square" rtlCol="0">
-            <a:spAutoFit/>
-          </a:bodyPr>
-          <a:lstStyle/>
-          <a:p>
-            <a:pPr algn="ctr"/>
-            <a:r>
-              <a:rPr lang="en-US" sz="2800" b="0" i="0" dirty="0">
-                <a:solidFill>
-                  <a:srgbClr val="202124"/>
-                </a:solidFill>
-                <a:effectLst/>
-              </a:rPr>
-              <a:t>Merck &amp; Co Inc</a:t>
-            </a:r>
-            <a:endParaRPr lang="en-US" sz="2800" dirty="0"/>
+              <a:t>Corey</a:t>
+            </a:r>
           </a:p>
         </p:txBody>
       </p:sp>
       <p:pic>
         <p:nvPicPr>
-          <p:cNvPr id="4" name="Picture 3" descr="A graph with numbers and a red line&#10;&#10;Description automatically generated">
-            <a:extLst>
-              <a:ext uri="{FF2B5EF4-FFF2-40B4-BE49-F238E27FC236}">
-                <a16:creationId xmlns:a16="http://schemas.microsoft.com/office/drawing/2014/main" id="{38A47299-7D77-3DDB-0B4B-CBEF6608E29F}"/>
+          <p:cNvPr id="4" name="Picture 3" descr="A graph with blue dots and red line&#10;&#10;Description automatically generated">
+            <a:extLst>
+              <a:ext uri="{FF2B5EF4-FFF2-40B4-BE49-F238E27FC236}">
+                <a16:creationId xmlns:a16="http://schemas.microsoft.com/office/drawing/2014/main" id="{CED44DC4-1D1A-368B-42E3-4E728CCB576A}"/>
               </a:ext>
             </a:extLst>
           </p:cNvPr>
@@ -11651,20 +12161,56 @@
         </p:blipFill>
         <p:spPr>
           <a:xfrm>
-            <a:off x="1459166" y="3120421"/>
-            <a:ext cx="4314571" cy="3235928"/>
+            <a:off x="1307008" y="2948940"/>
+            <a:ext cx="4498404" cy="3373803"/>
           </a:xfrm>
           <a:prstGeom prst="rect">
             <a:avLst/>
           </a:prstGeom>
         </p:spPr>
       </p:pic>
+      <p:sp>
+        <p:nvSpPr>
+          <p:cNvPr id="5" name="TextBox 4">
+            <a:extLst>
+              <a:ext uri="{FF2B5EF4-FFF2-40B4-BE49-F238E27FC236}">
+                <a16:creationId xmlns:a16="http://schemas.microsoft.com/office/drawing/2014/main" id="{2254930C-D835-67EE-67EE-F1F5BDA45880}"/>
+              </a:ext>
+            </a:extLst>
+          </p:cNvPr>
+          <p:cNvSpPr txBox="1"/>
+          <p:nvPr/>
+        </p:nvSpPr>
+        <p:spPr>
+          <a:xfrm>
+            <a:off x="1856232" y="2446020"/>
+            <a:ext cx="3520440" cy="523220"/>
+          </a:xfrm>
+          <a:prstGeom prst="rect">
+            <a:avLst/>
+          </a:prstGeom>
+          <a:noFill/>
+        </p:spPr>
+        <p:txBody>
+          <a:bodyPr wrap="square" rtlCol="0">
+            <a:spAutoFit/>
+          </a:bodyPr>
+          <a:lstStyle/>
+          <a:p>
+            <a:pPr algn="ctr"/>
+            <a:r>
+              <a:rPr lang="en-US" sz="2800" dirty="0"/>
+              <a:t>AbbVie Inc</a:t>
+            </a:r>
+          </a:p>
+        </p:txBody>
+      </p:sp>
       <p:pic>
         <p:nvPicPr>
-          <p:cNvPr id="9" name="Picture 8" descr="A graph with numbers and a red line&#10;&#10;Description automatically generated">
-            <a:extLst>
-              <a:ext uri="{FF2B5EF4-FFF2-40B4-BE49-F238E27FC236}">
-                <a16:creationId xmlns:a16="http://schemas.microsoft.com/office/drawing/2014/main" id="{D7FAC186-5D85-6AC4-4CD6-A6E7EA053EC9}"/>
+          <p:cNvPr id="7" name="Picture 6" descr="A graph with numbers and dots&#10;&#10;Description automatically generated">
+            <a:extLst>
+              <a:ext uri="{FF2B5EF4-FFF2-40B4-BE49-F238E27FC236}">
+                <a16:creationId xmlns:a16="http://schemas.microsoft.com/office/drawing/2014/main" id="{78F7721C-CC3A-DC1E-99A4-7541D84AE9A6}"/>
               </a:ext>
             </a:extLst>
           </p:cNvPr>
@@ -11681,18 +12227,60 @@
         </p:blipFill>
         <p:spPr>
           <a:xfrm>
-            <a:off x="6491194" y="3120421"/>
-            <a:ext cx="4314571" cy="3235928"/>
+            <a:off x="6460235" y="3008495"/>
+            <a:ext cx="4463807" cy="3347855"/>
           </a:xfrm>
           <a:prstGeom prst="rect">
             <a:avLst/>
           </a:prstGeom>
         </p:spPr>
       </p:pic>
+      <p:sp>
+        <p:nvSpPr>
+          <p:cNvPr id="8" name="TextBox 7">
+            <a:extLst>
+              <a:ext uri="{FF2B5EF4-FFF2-40B4-BE49-F238E27FC236}">
+                <a16:creationId xmlns:a16="http://schemas.microsoft.com/office/drawing/2014/main" id="{3FDF9D8D-C677-0576-3FE3-CC3578FA803A}"/>
+              </a:ext>
+            </a:extLst>
+          </p:cNvPr>
+          <p:cNvSpPr txBox="1"/>
+          <p:nvPr/>
+        </p:nvSpPr>
+        <p:spPr>
+          <a:xfrm>
+            <a:off x="6931918" y="2166316"/>
+            <a:ext cx="3520440" cy="954107"/>
+          </a:xfrm>
+          <a:prstGeom prst="rect">
+            <a:avLst/>
+          </a:prstGeom>
+          <a:noFill/>
+        </p:spPr>
+        <p:txBody>
+          <a:bodyPr wrap="square" rtlCol="0">
+            <a:spAutoFit/>
+          </a:bodyPr>
+          <a:lstStyle/>
+          <a:p>
+            <a:pPr algn="ctr"/>
+            <a:r>
+              <a:rPr lang="en-US" sz="2800" b="0" i="0" dirty="0">
+                <a:solidFill>
+                  <a:srgbClr val="202124"/>
+                </a:solidFill>
+                <a:effectLst/>
+              </a:rPr>
+              <a:t>Bristol-Myers Squibb Co</a:t>
+            </a:r>
+            <a:endParaRPr lang="en-US" sz="2800" dirty="0"/>
+          </a:p>
+        </p:txBody>
+      </p:sp>
     </p:spTree>
     <p:extLst>
       <p:ext uri="{BB962C8B-B14F-4D97-AF65-F5344CB8AC3E}">
-        <p14:creationId xmlns:p14="http://schemas.microsoft.com/office/powerpoint/2010/main" val="3972463515"/>
+        <p14:creationId xmlns:p14="http://schemas.microsoft.com/office/powerpoint/2010/main" val="2619301236"/>
       </p:ext>
     </p:extLst>
   </p:cSld>
@@ -11747,7 +12335,7 @@
           <a:p>
             <a:r>
               <a:rPr lang="en-US" dirty="0"/>
-              <a:t>How have the stock trends performed over time?</a:t>
+              <a:t>How have the stock trends performed over time? can we Predict Future Trends?</a:t>
             </a:r>
           </a:p>
         </p:txBody>
@@ -11780,7 +12368,7 @@
           <a:p>
             <a:r>
               <a:rPr lang="en-US" dirty="0"/>
-              <a:t>Jackson</a:t>
+              <a:t>Corey</a:t>
             </a:r>
           </a:p>
         </p:txBody>
@@ -11799,7 +12387,7 @@
         </p:nvSpPr>
         <p:spPr>
           <a:xfrm>
-            <a:off x="4335779" y="2347703"/>
+            <a:off x="1856232" y="2446020"/>
             <a:ext cx="3520440" cy="523220"/>
           </a:xfrm>
           <a:prstGeom prst="rect">
@@ -11821,7 +12409,49 @@
                 </a:solidFill>
                 <a:effectLst/>
               </a:rPr>
-              <a:t>Organon &amp; Co</a:t>
+              <a:t>Catalent Inc</a:t>
+            </a:r>
+            <a:endParaRPr lang="en-US" sz="2800" dirty="0"/>
+          </a:p>
+        </p:txBody>
+      </p:sp>
+      <p:sp>
+        <p:nvSpPr>
+          <p:cNvPr id="8" name="TextBox 7">
+            <a:extLst>
+              <a:ext uri="{FF2B5EF4-FFF2-40B4-BE49-F238E27FC236}">
+                <a16:creationId xmlns:a16="http://schemas.microsoft.com/office/drawing/2014/main" id="{3FDF9D8D-C677-0576-3FE3-CC3578FA803A}"/>
+              </a:ext>
+            </a:extLst>
+          </p:cNvPr>
+          <p:cNvSpPr txBox="1"/>
+          <p:nvPr/>
+        </p:nvSpPr>
+        <p:spPr>
+          <a:xfrm>
+            <a:off x="6896805" y="2446020"/>
+            <a:ext cx="3520440" cy="523220"/>
+          </a:xfrm>
+          <a:prstGeom prst="rect">
+            <a:avLst/>
+          </a:prstGeom>
+          <a:noFill/>
+        </p:spPr>
+        <p:txBody>
+          <a:bodyPr wrap="square" rtlCol="0">
+            <a:spAutoFit/>
+          </a:bodyPr>
+          <a:lstStyle/>
+          <a:p>
+            <a:pPr algn="ctr"/>
+            <a:r>
+              <a:rPr lang="en-US" sz="2800" b="0" i="0" dirty="0">
+                <a:solidFill>
+                  <a:srgbClr val="202124"/>
+                </a:solidFill>
+                <a:effectLst/>
+              </a:rPr>
+              <a:t>Eli Lilly And Co</a:t>
             </a:r>
             <a:endParaRPr lang="en-US" sz="2800" dirty="0"/>
           </a:p>
@@ -11829,10 +12459,10 @@
       </p:sp>
       <p:pic>
         <p:nvPicPr>
-          <p:cNvPr id="4" name="Picture 3" descr="A graph with numbers and a red line&#10;&#10;Description automatically generated">
-            <a:extLst>
-              <a:ext uri="{FF2B5EF4-FFF2-40B4-BE49-F238E27FC236}">
-                <a16:creationId xmlns:a16="http://schemas.microsoft.com/office/drawing/2014/main" id="{082B61F9-C76E-AD24-2CDC-75A07C493D0C}"/>
+          <p:cNvPr id="6" name="Picture 5" descr="A graph with numbers and dots&#10;&#10;Description automatically generated">
+            <a:extLst>
+              <a:ext uri="{FF2B5EF4-FFF2-40B4-BE49-F238E27FC236}">
+                <a16:creationId xmlns:a16="http://schemas.microsoft.com/office/drawing/2014/main" id="{15ADADC0-C9CB-2B06-30B3-A550F16D2BE1}"/>
               </a:ext>
             </a:extLst>
           </p:cNvPr>
@@ -11849,8 +12479,38 @@
         </p:blipFill>
         <p:spPr>
           <a:xfrm>
-            <a:off x="3772381" y="2870923"/>
-            <a:ext cx="4647236" cy="3485427"/>
+            <a:off x="1424115" y="3090980"/>
+            <a:ext cx="4314569" cy="3235927"/>
+          </a:xfrm>
+          <a:prstGeom prst="rect">
+            <a:avLst/>
+          </a:prstGeom>
+        </p:spPr>
+      </p:pic>
+      <p:pic>
+        <p:nvPicPr>
+          <p:cNvPr id="10" name="Picture 9" descr="A graph with numbers and a line&#10;&#10;Description automatically generated">
+            <a:extLst>
+              <a:ext uri="{FF2B5EF4-FFF2-40B4-BE49-F238E27FC236}">
+                <a16:creationId xmlns:a16="http://schemas.microsoft.com/office/drawing/2014/main" id="{809AC9D6-CE00-738A-324C-0296434FCBD1}"/>
+              </a:ext>
+            </a:extLst>
+          </p:cNvPr>
+          <p:cNvPicPr>
+            <a:picLocks noChangeAspect="1"/>
+          </p:cNvPicPr>
+          <p:nvPr/>
+        </p:nvPicPr>
+        <p:blipFill>
+          <a:blip r:embed="rId3"/>
+          <a:stretch>
+            <a:fillRect/>
+          </a:stretch>
+        </p:blipFill>
+        <p:spPr>
+          <a:xfrm>
+            <a:off x="6499740" y="3120423"/>
+            <a:ext cx="4314570" cy="3235928"/>
           </a:xfrm>
           <a:prstGeom prst="rect">
             <a:avLst/>
@@ -11860,7 +12520,7 @@
     </p:spTree>
     <p:extLst>
       <p:ext uri="{BB962C8B-B14F-4D97-AF65-F5344CB8AC3E}">
-        <p14:creationId xmlns:p14="http://schemas.microsoft.com/office/powerpoint/2010/main" val="3725443950"/>
+        <p14:creationId xmlns:p14="http://schemas.microsoft.com/office/powerpoint/2010/main" val="1609375222"/>
       </p:ext>
     </p:extLst>
   </p:cSld>
@@ -12662,23 +13322,12 @@
 </file>
 
 <file path=customXml/item1.xml><?xml version="1.0" encoding="utf-8"?>
-<p:properties xmlns:p="http://schemas.microsoft.com/office/2006/metadata/properties" xmlns:xsi="http://www.w3.org/2001/XMLSchema-instance" xmlns:pc="http://schemas.microsoft.com/office/infopath/2007/PartnerControls">
-  <documentManagement>
-    <_ip_UnifiedCompliancePolicyUIAction xmlns="http://schemas.microsoft.com/sharepoint/v3" xsi:nil="true"/>
-    <Image xmlns="71af3243-3dd4-4a8d-8c0d-dd76da1f02a5">
-      <Url xsi:nil="true"/>
-      <Description xsi:nil="true"/>
-    </Image>
-    <Status xmlns="71af3243-3dd4-4a8d-8c0d-dd76da1f02a5">Not started</Status>
-    <Background xmlns="71af3243-3dd4-4a8d-8c0d-dd76da1f02a5">false</Background>
-    <_ip_UnifiedCompliancePolicyProperties xmlns="http://schemas.microsoft.com/sharepoint/v3" xsi:nil="true"/>
-    <ImageTagsTaxHTField xmlns="71af3243-3dd4-4a8d-8c0d-dd76da1f02a5">
-      <Terms xmlns="http://schemas.microsoft.com/office/infopath/2007/PartnerControls"/>
-    </ImageTagsTaxHTField>
-    <TaxCatchAll xmlns="230e9df3-be65-4c73-a93b-d1236ebd677e" xsi:nil="true"/>
-    <MediaServiceKeyPoints xmlns="71af3243-3dd4-4a8d-8c0d-dd76da1f02a5" xsi:nil="true"/>
-  </documentManagement>
-</p:properties>
+<?mso-contentType ?>
+<FormTemplates xmlns="http://schemas.microsoft.com/sharepoint/v3/contenttype/forms">
+  <Display>DocumentLibraryForm</Display>
+  <Edit>DocumentLibraryForm</Edit>
+  <New>DocumentLibraryForm</New>
+</FormTemplates>
 </file>
 
 <file path=customXml/item2.xml><?xml version="1.0" encoding="utf-8"?>
@@ -12994,22 +13643,29 @@
 </file>
 
 <file path=customXml/item3.xml><?xml version="1.0" encoding="utf-8"?>
-<?mso-contentType ?>
-<FormTemplates xmlns="http://schemas.microsoft.com/sharepoint/v3/contenttype/forms">
-  <Display>DocumentLibraryForm</Display>
-  <Edit>DocumentLibraryForm</Edit>
-  <New>DocumentLibraryForm</New>
-</FormTemplates>
+<p:properties xmlns:p="http://schemas.microsoft.com/office/2006/metadata/properties" xmlns:xsi="http://www.w3.org/2001/XMLSchema-instance" xmlns:pc="http://schemas.microsoft.com/office/infopath/2007/PartnerControls">
+  <documentManagement>
+    <_ip_UnifiedCompliancePolicyUIAction xmlns="http://schemas.microsoft.com/sharepoint/v3" xsi:nil="true"/>
+    <Image xmlns="71af3243-3dd4-4a8d-8c0d-dd76da1f02a5">
+      <Url xsi:nil="true"/>
+      <Description xsi:nil="true"/>
+    </Image>
+    <Status xmlns="71af3243-3dd4-4a8d-8c0d-dd76da1f02a5">Not started</Status>
+    <Background xmlns="71af3243-3dd4-4a8d-8c0d-dd76da1f02a5">false</Background>
+    <_ip_UnifiedCompliancePolicyProperties xmlns="http://schemas.microsoft.com/sharepoint/v3" xsi:nil="true"/>
+    <ImageTagsTaxHTField xmlns="71af3243-3dd4-4a8d-8c0d-dd76da1f02a5">
+      <Terms xmlns="http://schemas.microsoft.com/office/infopath/2007/PartnerControls"/>
+    </ImageTagsTaxHTField>
+    <TaxCatchAll xmlns="230e9df3-be65-4c73-a93b-d1236ebd677e" xsi:nil="true"/>
+    <MediaServiceKeyPoints xmlns="71af3243-3dd4-4a8d-8c0d-dd76da1f02a5" xsi:nil="true"/>
+  </documentManagement>
+</p:properties>
 </file>
 
 <file path=customXml/itemProps1.xml><?xml version="1.0" encoding="utf-8"?>
-<ds:datastoreItem xmlns:ds="http://schemas.openxmlformats.org/officeDocument/2006/customXml" ds:itemID="{CA05327A-3F11-4B74-87F2-F91762B92A4E}">
+<ds:datastoreItem xmlns:ds="http://schemas.openxmlformats.org/officeDocument/2006/customXml" ds:itemID="{5ECBB7AC-E012-4960-B083-33C7C7C0C8C8}">
   <ds:schemaRefs>
-    <ds:schemaRef ds:uri="http://schemas.microsoft.com/office/2006/metadata/properties"/>
-    <ds:schemaRef ds:uri="http://schemas.microsoft.com/office/infopath/2007/PartnerControls"/>
-    <ds:schemaRef ds:uri="http://schemas.microsoft.com/sharepoint/v3"/>
-    <ds:schemaRef ds:uri="71af3243-3dd4-4a8d-8c0d-dd76da1f02a5"/>
-    <ds:schemaRef ds:uri="230e9df3-be65-4c73-a93b-d1236ebd677e"/>
+    <ds:schemaRef ds:uri="http://schemas.microsoft.com/sharepoint/v3/contenttype/forms"/>
   </ds:schemaRefs>
 </ds:datastoreItem>
 </file>
@@ -13036,9 +13692,13 @@
 </file>
 
 <file path=customXml/itemProps3.xml><?xml version="1.0" encoding="utf-8"?>
-<ds:datastoreItem xmlns:ds="http://schemas.openxmlformats.org/officeDocument/2006/customXml" ds:itemID="{5ECBB7AC-E012-4960-B083-33C7C7C0C8C8}">
+<ds:datastoreItem xmlns:ds="http://schemas.openxmlformats.org/officeDocument/2006/customXml" ds:itemID="{CA05327A-3F11-4B74-87F2-F91762B92A4E}">
   <ds:schemaRefs>
-    <ds:schemaRef ds:uri="http://schemas.microsoft.com/sharepoint/v3/contenttype/forms"/>
+    <ds:schemaRef ds:uri="http://schemas.microsoft.com/office/2006/metadata/properties"/>
+    <ds:schemaRef ds:uri="http://schemas.microsoft.com/office/infopath/2007/PartnerControls"/>
+    <ds:schemaRef ds:uri="http://schemas.microsoft.com/sharepoint/v3"/>
+    <ds:schemaRef ds:uri="71af3243-3dd4-4a8d-8c0d-dd76da1f02a5"/>
+    <ds:schemaRef ds:uri="230e9df3-be65-4c73-a93b-d1236ebd677e"/>
   </ds:schemaRefs>
 </ds:datastoreItem>
 </file>

--- a/Powerpoint_Final.pptx
+++ b/Powerpoint_Final.pptx
@@ -5,10 +5,10 @@
     <p:sldMasterId id="2147483648" r:id="rId4"/>
   </p:sldMasterIdLst>
   <p:notesMasterIdLst>
-    <p:notesMasterId r:id="rId18"/>
+    <p:notesMasterId r:id="rId16"/>
   </p:notesMasterIdLst>
   <p:handoutMasterIdLst>
-    <p:handoutMasterId r:id="rId19"/>
+    <p:handoutMasterId r:id="rId17"/>
   </p:handoutMasterIdLst>
   <p:sldIdLst>
     <p:sldId id="256" r:id="rId5"/>
@@ -16,14 +16,12 @@
     <p:sldId id="258" r:id="rId7"/>
     <p:sldId id="262" r:id="rId8"/>
     <p:sldId id="270" r:id="rId9"/>
-    <p:sldId id="276" r:id="rId10"/>
-    <p:sldId id="277" r:id="rId11"/>
-    <p:sldId id="264" r:id="rId12"/>
-    <p:sldId id="273" r:id="rId13"/>
-    <p:sldId id="274" r:id="rId14"/>
-    <p:sldId id="275" r:id="rId15"/>
-    <p:sldId id="280" r:id="rId16"/>
-    <p:sldId id="271" r:id="rId17"/>
+    <p:sldId id="264" r:id="rId10"/>
+    <p:sldId id="273" r:id="rId11"/>
+    <p:sldId id="274" r:id="rId12"/>
+    <p:sldId id="275" r:id="rId13"/>
+    <p:sldId id="272" r:id="rId14"/>
+    <p:sldId id="271" r:id="rId15"/>
   </p:sldIdLst>
   <p:sldSz cx="12192000" cy="6858000"/>
   <p:notesSz cx="6858000" cy="9144000"/>
@@ -227,7 +225,7 @@
           <a:p>
             <a:fld id="{B56F32FC-4BD9-442A-A8C6-51598C909FE3}" type="datetimeFigureOut">
               <a:rPr lang="en-US" smtClean="0"/>
-              <a:t>10/25/23</a:t>
+              <a:t>10/26/2023</a:t>
             </a:fld>
             <a:endParaRPr lang="en-US" dirty="0"/>
           </a:p>
@@ -404,7 +402,7 @@
           <a:p>
             <a:fld id="{056371FA-A98D-41E8-93F4-09945841298A}" type="datetimeFigureOut">
               <a:rPr lang="en-US" smtClean="0"/>
-              <a:t>10/25/23</a:t>
+              <a:t>10/26/2023</a:t>
             </a:fld>
             <a:endParaRPr lang="en-US" dirty="0"/>
           </a:p>
@@ -9791,7 +9789,7 @@
           <p:cNvPr id="2" name="Title 1">
             <a:extLst>
               <a:ext uri="{FF2B5EF4-FFF2-40B4-BE49-F238E27FC236}">
-                <a16:creationId xmlns:a16="http://schemas.microsoft.com/office/drawing/2014/main" id="{4F6A2D15-4D68-4BF7-9421-032AE6C8852C}"/>
+                <a16:creationId xmlns:a16="http://schemas.microsoft.com/office/drawing/2014/main" id="{D7370F17-7C63-2740-3929-5264F9B06095}"/>
               </a:ext>
             </a:extLst>
           </p:cNvPr>
@@ -9802,204 +9800,145 @@
             <p:ph type="title"/>
           </p:nvPr>
         </p:nvSpPr>
-        <p:spPr>
-          <a:xfrm>
-            <a:off x="1307008" y="336701"/>
-            <a:ext cx="9577983" cy="1325563"/>
-          </a:xfrm>
-        </p:spPr>
+        <p:spPr/>
         <p:txBody>
           <a:bodyPr/>
           <a:lstStyle/>
           <a:p>
             <a:r>
               <a:rPr lang="en-US" dirty="0"/>
-              <a:t>How have the stock trends performed over time? can we Predict Future Trends?</a:t>
-            </a:r>
-          </a:p>
-        </p:txBody>
-      </p:sp>
-      <p:sp>
-        <p:nvSpPr>
-          <p:cNvPr id="24" name="Footer Placeholder 23">
-            <a:extLst>
-              <a:ext uri="{FF2B5EF4-FFF2-40B4-BE49-F238E27FC236}">
-                <a16:creationId xmlns:a16="http://schemas.microsoft.com/office/drawing/2014/main" id="{918C3C97-444D-4600-8553-B9C4C1F8483B}"/>
-              </a:ext>
-            </a:extLst>
-          </p:cNvPr>
-          <p:cNvSpPr>
-            <a:spLocks noGrp="1"/>
-          </p:cNvSpPr>
-          <p:nvPr>
-            <p:ph type="ftr" sz="quarter" idx="11"/>
-          </p:nvPr>
-        </p:nvSpPr>
-        <p:spPr>
-          <a:xfrm>
-            <a:off x="4038600" y="6356350"/>
-            <a:ext cx="4114800" cy="365125"/>
-          </a:xfrm>
-        </p:spPr>
+              <a:t>How can we predict future trends?</a:t>
+            </a:r>
+            <a:br>
+              <a:rPr lang="en-US" dirty="0"/>
+            </a:br>
+            <a:endParaRPr lang="en-US" dirty="0"/>
+          </a:p>
+        </p:txBody>
+      </p:sp>
+      <p:sp>
+        <p:nvSpPr>
+          <p:cNvPr id="3" name="SmartArt Placeholder 2">
+            <a:extLst>
+              <a:ext uri="{FF2B5EF4-FFF2-40B4-BE49-F238E27FC236}">
+                <a16:creationId xmlns:a16="http://schemas.microsoft.com/office/drawing/2014/main" id="{204115AA-6716-606A-E787-021915C3FAAB}"/>
+              </a:ext>
+            </a:extLst>
+          </p:cNvPr>
+          <p:cNvSpPr>
+            <a:spLocks noGrp="1"/>
+          </p:cNvSpPr>
+          <p:nvPr>
+            <p:ph type="dgm" sz="quarter" idx="15"/>
+          </p:nvPr>
+        </p:nvSpPr>
+        <p:spPr/>
         <p:txBody>
           <a:bodyPr/>
           <a:lstStyle/>
           <a:p>
+            <a:pPr marL="0" indent="0">
+              <a:buNone/>
+            </a:pPr>
             <a:r>
               <a:rPr lang="en-US" dirty="0"/>
-              <a:t>Jackson</a:t>
-            </a:r>
-          </a:p>
-        </p:txBody>
-      </p:sp>
-      <p:sp>
-        <p:nvSpPr>
-          <p:cNvPr id="5" name="TextBox 4">
-            <a:extLst>
-              <a:ext uri="{FF2B5EF4-FFF2-40B4-BE49-F238E27FC236}">
-                <a16:creationId xmlns:a16="http://schemas.microsoft.com/office/drawing/2014/main" id="{2254930C-D835-67EE-67EE-F1F5BDA45880}"/>
-              </a:ext>
-            </a:extLst>
-          </p:cNvPr>
-          <p:cNvSpPr txBox="1"/>
-          <p:nvPr/>
-        </p:nvSpPr>
-        <p:spPr>
-          <a:xfrm>
-            <a:off x="1856232" y="2446020"/>
-            <a:ext cx="3520440" cy="523220"/>
-          </a:xfrm>
-          <a:prstGeom prst="rect">
-            <a:avLst/>
-          </a:prstGeom>
-          <a:noFill/>
-        </p:spPr>
-        <p:txBody>
-          <a:bodyPr wrap="square" rtlCol="0">
-            <a:spAutoFit/>
-          </a:bodyPr>
+              <a:t>Text &amp; Graphs</a:t>
+            </a:r>
+          </a:p>
+        </p:txBody>
+      </p:sp>
+      <p:sp>
+        <p:nvSpPr>
+          <p:cNvPr id="4" name="Date Placeholder 3">
+            <a:extLst>
+              <a:ext uri="{FF2B5EF4-FFF2-40B4-BE49-F238E27FC236}">
+                <a16:creationId xmlns:a16="http://schemas.microsoft.com/office/drawing/2014/main" id="{893D3077-883B-6B8A-038C-8D607669617A}"/>
+              </a:ext>
+            </a:extLst>
+          </p:cNvPr>
+          <p:cNvSpPr>
+            <a:spLocks noGrp="1"/>
+          </p:cNvSpPr>
+          <p:nvPr>
+            <p:ph type="dt" sz="half" idx="10"/>
+          </p:nvPr>
+        </p:nvSpPr>
+        <p:spPr/>
+        <p:txBody>
+          <a:bodyPr/>
           <a:lstStyle/>
           <a:p>
-            <a:pPr algn="ctr"/>
-            <a:r>
-              <a:rPr lang="en-US" sz="2800" b="0" i="0" dirty="0">
-                <a:solidFill>
-                  <a:srgbClr val="202124"/>
-                </a:solidFill>
-                <a:effectLst/>
-              </a:rPr>
-              <a:t>Johnson &amp; Johnson</a:t>
-            </a:r>
-            <a:endParaRPr lang="en-US" sz="2800" dirty="0"/>
-          </a:p>
-        </p:txBody>
-      </p:sp>
-      <p:sp>
-        <p:nvSpPr>
-          <p:cNvPr id="8" name="TextBox 7">
-            <a:extLst>
-              <a:ext uri="{FF2B5EF4-FFF2-40B4-BE49-F238E27FC236}">
-                <a16:creationId xmlns:a16="http://schemas.microsoft.com/office/drawing/2014/main" id="{3FDF9D8D-C677-0576-3FE3-CC3578FA803A}"/>
-              </a:ext>
-            </a:extLst>
-          </p:cNvPr>
-          <p:cNvSpPr txBox="1"/>
-          <p:nvPr/>
-        </p:nvSpPr>
-        <p:spPr>
-          <a:xfrm>
-            <a:off x="6888260" y="2446020"/>
-            <a:ext cx="3520440" cy="523220"/>
-          </a:xfrm>
-          <a:prstGeom prst="rect">
-            <a:avLst/>
-          </a:prstGeom>
-          <a:noFill/>
-        </p:spPr>
-        <p:txBody>
-          <a:bodyPr wrap="square" rtlCol="0">
-            <a:spAutoFit/>
-          </a:bodyPr>
+            <a:r>
+              <a:rPr lang="en-US"/>
+              <a:t>20XX</a:t>
+            </a:r>
+            <a:endParaRPr lang="en-US" dirty="0"/>
+          </a:p>
+        </p:txBody>
+      </p:sp>
+      <p:sp>
+        <p:nvSpPr>
+          <p:cNvPr id="5" name="Footer Placeholder 4">
+            <a:extLst>
+              <a:ext uri="{FF2B5EF4-FFF2-40B4-BE49-F238E27FC236}">
+                <a16:creationId xmlns:a16="http://schemas.microsoft.com/office/drawing/2014/main" id="{85A87815-7458-EE31-C3F6-DB5EB3849A69}"/>
+              </a:ext>
+            </a:extLst>
+          </p:cNvPr>
+          <p:cNvSpPr>
+            <a:spLocks noGrp="1"/>
+          </p:cNvSpPr>
+          <p:nvPr>
+            <p:ph type="ftr" sz="quarter" idx="11"/>
+          </p:nvPr>
+        </p:nvSpPr>
+        <p:spPr/>
+        <p:txBody>
+          <a:bodyPr/>
           <a:lstStyle/>
           <a:p>
-            <a:pPr algn="ctr"/>
-            <a:r>
-              <a:rPr lang="en-US" sz="2800" b="0" i="0" dirty="0">
-                <a:solidFill>
-                  <a:srgbClr val="202124"/>
-                </a:solidFill>
-                <a:effectLst/>
-              </a:rPr>
-              <a:t>Merck &amp; Co Inc</a:t>
-            </a:r>
-            <a:endParaRPr lang="en-US" sz="2800" dirty="0"/>
-          </a:p>
-        </p:txBody>
-      </p:sp>
-      <p:pic>
-        <p:nvPicPr>
-          <p:cNvPr id="4" name="Picture 3" descr="A graph with numbers and a red line&#10;&#10;Description automatically generated">
-            <a:extLst>
-              <a:ext uri="{FF2B5EF4-FFF2-40B4-BE49-F238E27FC236}">
-                <a16:creationId xmlns:a16="http://schemas.microsoft.com/office/drawing/2014/main" id="{38A47299-7D77-3DDB-0B4B-CBEF6608E29F}"/>
-              </a:ext>
-            </a:extLst>
-          </p:cNvPr>
-          <p:cNvPicPr>
-            <a:picLocks noChangeAspect="1"/>
-          </p:cNvPicPr>
-          <p:nvPr/>
-        </p:nvPicPr>
-        <p:blipFill>
-          <a:blip r:embed="rId2"/>
-          <a:stretch>
-            <a:fillRect/>
-          </a:stretch>
-        </p:blipFill>
-        <p:spPr>
-          <a:xfrm>
-            <a:off x="1459166" y="3120421"/>
-            <a:ext cx="4314571" cy="3235928"/>
-          </a:xfrm>
-          <a:prstGeom prst="rect">
-            <a:avLst/>
-          </a:prstGeom>
-        </p:spPr>
-      </p:pic>
-      <p:pic>
-        <p:nvPicPr>
-          <p:cNvPr id="9" name="Picture 8" descr="A graph with numbers and a red line&#10;&#10;Description automatically generated">
-            <a:extLst>
-              <a:ext uri="{FF2B5EF4-FFF2-40B4-BE49-F238E27FC236}">
-                <a16:creationId xmlns:a16="http://schemas.microsoft.com/office/drawing/2014/main" id="{D7FAC186-5D85-6AC4-4CD6-A6E7EA053EC9}"/>
-              </a:ext>
-            </a:extLst>
-          </p:cNvPr>
-          <p:cNvPicPr>
-            <a:picLocks noChangeAspect="1"/>
-          </p:cNvPicPr>
-          <p:nvPr/>
-        </p:nvPicPr>
-        <p:blipFill>
-          <a:blip r:embed="rId3"/>
-          <a:stretch>
-            <a:fillRect/>
-          </a:stretch>
-        </p:blipFill>
-        <p:spPr>
-          <a:xfrm>
-            <a:off x="6491194" y="3120421"/>
-            <a:ext cx="4314571" cy="3235928"/>
-          </a:xfrm>
-          <a:prstGeom prst="rect">
-            <a:avLst/>
-          </a:prstGeom>
-        </p:spPr>
-      </p:pic>
+            <a:r>
+              <a:rPr lang="en-US"/>
+              <a:t>PRESENTATION TITLE</a:t>
+            </a:r>
+            <a:endParaRPr lang="en-US" dirty="0"/>
+          </a:p>
+        </p:txBody>
+      </p:sp>
+      <p:sp>
+        <p:nvSpPr>
+          <p:cNvPr id="6" name="Slide Number Placeholder 5">
+            <a:extLst>
+              <a:ext uri="{FF2B5EF4-FFF2-40B4-BE49-F238E27FC236}">
+                <a16:creationId xmlns:a16="http://schemas.microsoft.com/office/drawing/2014/main" id="{62F106EA-6BED-61C6-242D-D8156F8E995B}"/>
+              </a:ext>
+            </a:extLst>
+          </p:cNvPr>
+          <p:cNvSpPr>
+            <a:spLocks noGrp="1"/>
+          </p:cNvSpPr>
+          <p:nvPr>
+            <p:ph type="sldNum" sz="quarter" idx="12"/>
+          </p:nvPr>
+        </p:nvSpPr>
+        <p:spPr/>
+        <p:txBody>
+          <a:bodyPr/>
+          <a:lstStyle/>
+          <a:p>
+            <a:fld id="{A49DFD55-3C28-40EF-9E31-A92D2E4017FF}" type="slidenum">
+              <a:rPr lang="en-US" smtClean="0"/>
+              <a:pPr/>
+              <a:t>10</a:t>
+            </a:fld>
+            <a:endParaRPr lang="en-US" dirty="0"/>
+          </a:p>
+        </p:txBody>
+      </p:sp>
     </p:spTree>
     <p:extLst>
       <p:ext uri="{BB962C8B-B14F-4D97-AF65-F5344CB8AC3E}">
-        <p14:creationId xmlns:p14="http://schemas.microsoft.com/office/powerpoint/2010/main" val="3972463515"/>
+        <p14:creationId xmlns:p14="http://schemas.microsoft.com/office/powerpoint/2010/main" val="2537772617"/>
       </p:ext>
     </p:extLst>
   </p:cSld>
@@ -10031,747 +9970,6 @@
           <p:cNvPr id="2" name="Title 1">
             <a:extLst>
               <a:ext uri="{FF2B5EF4-FFF2-40B4-BE49-F238E27FC236}">
-                <a16:creationId xmlns:a16="http://schemas.microsoft.com/office/drawing/2014/main" id="{4F6A2D15-4D68-4BF7-9421-032AE6C8852C}"/>
-              </a:ext>
-            </a:extLst>
-          </p:cNvPr>
-          <p:cNvSpPr>
-            <a:spLocks noGrp="1"/>
-          </p:cNvSpPr>
-          <p:nvPr>
-            <p:ph type="title"/>
-          </p:nvPr>
-        </p:nvSpPr>
-        <p:spPr>
-          <a:xfrm>
-            <a:off x="1307008" y="336701"/>
-            <a:ext cx="9577983" cy="1325563"/>
-          </a:xfrm>
-        </p:spPr>
-        <p:txBody>
-          <a:bodyPr/>
-          <a:lstStyle/>
-          <a:p>
-            <a:r>
-              <a:rPr lang="en-US" dirty="0"/>
-              <a:t>How have the stock trends performed over time? can we Predict Future Trends?</a:t>
-            </a:r>
-          </a:p>
-        </p:txBody>
-      </p:sp>
-      <p:sp>
-        <p:nvSpPr>
-          <p:cNvPr id="24" name="Footer Placeholder 23">
-            <a:extLst>
-              <a:ext uri="{FF2B5EF4-FFF2-40B4-BE49-F238E27FC236}">
-                <a16:creationId xmlns:a16="http://schemas.microsoft.com/office/drawing/2014/main" id="{918C3C97-444D-4600-8553-B9C4C1F8483B}"/>
-              </a:ext>
-            </a:extLst>
-          </p:cNvPr>
-          <p:cNvSpPr>
-            <a:spLocks noGrp="1"/>
-          </p:cNvSpPr>
-          <p:nvPr>
-            <p:ph type="ftr" sz="quarter" idx="11"/>
-          </p:nvPr>
-        </p:nvSpPr>
-        <p:spPr>
-          <a:xfrm>
-            <a:off x="1573227" y="6156174"/>
-            <a:ext cx="4114800" cy="365125"/>
-          </a:xfrm>
-        </p:spPr>
-        <p:txBody>
-          <a:bodyPr/>
-          <a:lstStyle/>
-          <a:p>
-            <a:r>
-              <a:rPr lang="en-US" dirty="0"/>
-              <a:t>Jackson</a:t>
-            </a:r>
-          </a:p>
-        </p:txBody>
-      </p:sp>
-      <p:sp>
-        <p:nvSpPr>
-          <p:cNvPr id="5" name="TextBox 4">
-            <a:extLst>
-              <a:ext uri="{FF2B5EF4-FFF2-40B4-BE49-F238E27FC236}">
-                <a16:creationId xmlns:a16="http://schemas.microsoft.com/office/drawing/2014/main" id="{2254930C-D835-67EE-67EE-F1F5BDA45880}"/>
-              </a:ext>
-            </a:extLst>
-          </p:cNvPr>
-          <p:cNvSpPr txBox="1"/>
-          <p:nvPr/>
-        </p:nvSpPr>
-        <p:spPr>
-          <a:xfrm>
-            <a:off x="1870406" y="2147527"/>
-            <a:ext cx="3520440" cy="523220"/>
-          </a:xfrm>
-          <a:prstGeom prst="rect">
-            <a:avLst/>
-          </a:prstGeom>
-          <a:noFill/>
-        </p:spPr>
-        <p:txBody>
-          <a:bodyPr wrap="square" rtlCol="0">
-            <a:spAutoFit/>
-          </a:bodyPr>
-          <a:lstStyle/>
-          <a:p>
-            <a:pPr algn="ctr"/>
-            <a:r>
-              <a:rPr lang="en-US" sz="2800" b="0" i="0" dirty="0">
-                <a:solidFill>
-                  <a:srgbClr val="202124"/>
-                </a:solidFill>
-                <a:effectLst/>
-              </a:rPr>
-              <a:t>Organon &amp; Co</a:t>
-            </a:r>
-            <a:endParaRPr lang="en-US" sz="2800" dirty="0"/>
-          </a:p>
-        </p:txBody>
-      </p:sp>
-      <p:pic>
-        <p:nvPicPr>
-          <p:cNvPr id="4" name="Picture 3" descr="A graph with numbers and a red line&#10;&#10;Description automatically generated">
-            <a:extLst>
-              <a:ext uri="{FF2B5EF4-FFF2-40B4-BE49-F238E27FC236}">
-                <a16:creationId xmlns:a16="http://schemas.microsoft.com/office/drawing/2014/main" id="{082B61F9-C76E-AD24-2CDC-75A07C493D0C}"/>
-              </a:ext>
-            </a:extLst>
-          </p:cNvPr>
-          <p:cNvPicPr>
-            <a:picLocks noChangeAspect="1"/>
-          </p:cNvPicPr>
-          <p:nvPr/>
-        </p:nvPicPr>
-        <p:blipFill>
-          <a:blip r:embed="rId2"/>
-          <a:stretch>
-            <a:fillRect/>
-          </a:stretch>
-        </p:blipFill>
-        <p:spPr>
-          <a:xfrm>
-            <a:off x="1307008" y="2670747"/>
-            <a:ext cx="4647236" cy="3485427"/>
-          </a:xfrm>
-          <a:prstGeom prst="rect">
-            <a:avLst/>
-          </a:prstGeom>
-        </p:spPr>
-      </p:pic>
-      <p:sp>
-        <p:nvSpPr>
-          <p:cNvPr id="3" name="TextBox 2">
-            <a:extLst>
-              <a:ext uri="{FF2B5EF4-FFF2-40B4-BE49-F238E27FC236}">
-                <a16:creationId xmlns:a16="http://schemas.microsoft.com/office/drawing/2014/main" id="{1FC45DA1-6559-3200-D9B5-46073669444D}"/>
-              </a:ext>
-            </a:extLst>
-          </p:cNvPr>
-          <p:cNvSpPr txBox="1"/>
-          <p:nvPr/>
-        </p:nvSpPr>
-        <p:spPr>
-          <a:xfrm>
-            <a:off x="6517642" y="2147527"/>
-            <a:ext cx="3520440" cy="523220"/>
-          </a:xfrm>
-          <a:prstGeom prst="rect">
-            <a:avLst/>
-          </a:prstGeom>
-          <a:noFill/>
-        </p:spPr>
-        <p:txBody>
-          <a:bodyPr wrap="square" rtlCol="0">
-            <a:spAutoFit/>
-          </a:bodyPr>
-          <a:lstStyle/>
-          <a:p>
-            <a:pPr algn="ctr"/>
-            <a:r>
-              <a:rPr lang="en-US" sz="2800" i="0" dirty="0">
-                <a:effectLst/>
-                <a:latin typeface="Söhne"/>
-              </a:rPr>
-              <a:t>Pfizer Inc.</a:t>
-            </a:r>
-            <a:endParaRPr lang="en-US" sz="2800" dirty="0"/>
-          </a:p>
-        </p:txBody>
-      </p:sp>
-      <p:sp>
-        <p:nvSpPr>
-          <p:cNvPr id="7" name="Footer Placeholder 23">
-            <a:extLst>
-              <a:ext uri="{FF2B5EF4-FFF2-40B4-BE49-F238E27FC236}">
-                <a16:creationId xmlns:a16="http://schemas.microsoft.com/office/drawing/2014/main" id="{388A07FB-D142-7BC8-DE2C-ABC69E2EFE92}"/>
-              </a:ext>
-            </a:extLst>
-          </p:cNvPr>
-          <p:cNvSpPr txBox="1">
-            <a:spLocks/>
-          </p:cNvSpPr>
-          <p:nvPr/>
-        </p:nvSpPr>
-        <p:spPr>
-          <a:xfrm>
-            <a:off x="6220461" y="6156173"/>
-            <a:ext cx="4114800" cy="365125"/>
-          </a:xfrm>
-          <a:prstGeom prst="rect">
-            <a:avLst/>
-          </a:prstGeom>
-        </p:spPr>
-        <p:txBody>
-          <a:bodyPr vert="horz" lIns="91440" tIns="45720" rIns="91440" bIns="45720" rtlCol="0" anchor="ctr"/>
-          <a:lstStyle>
-            <a:defPPr>
-              <a:defRPr lang="en-US"/>
-            </a:defPPr>
-            <a:lvl1pPr marL="0" algn="ctr" defTabSz="914400" rtl="0" eaLnBrk="1" latinLnBrk="0" hangingPunct="1">
-              <a:defRPr sz="900" kern="1200">
-                <a:solidFill>
-                  <a:schemeClr val="tx1">
-                    <a:tint val="75000"/>
-                  </a:schemeClr>
-                </a:solidFill>
-                <a:latin typeface="+mn-lt"/>
-                <a:ea typeface="+mn-ea"/>
-                <a:cs typeface="+mn-cs"/>
-              </a:defRPr>
-            </a:lvl1pPr>
-            <a:lvl2pPr marL="457200" algn="l" defTabSz="914400" rtl="0" eaLnBrk="1" latinLnBrk="0" hangingPunct="1">
-              <a:defRPr sz="1800" kern="1200">
-                <a:solidFill>
-                  <a:schemeClr val="tx1"/>
-                </a:solidFill>
-                <a:latin typeface="+mn-lt"/>
-                <a:ea typeface="+mn-ea"/>
-                <a:cs typeface="+mn-cs"/>
-              </a:defRPr>
-            </a:lvl2pPr>
-            <a:lvl3pPr marL="914400" algn="l" defTabSz="914400" rtl="0" eaLnBrk="1" latinLnBrk="0" hangingPunct="1">
-              <a:defRPr sz="1800" kern="1200">
-                <a:solidFill>
-                  <a:schemeClr val="tx1"/>
-                </a:solidFill>
-                <a:latin typeface="+mn-lt"/>
-                <a:ea typeface="+mn-ea"/>
-                <a:cs typeface="+mn-cs"/>
-              </a:defRPr>
-            </a:lvl3pPr>
-            <a:lvl4pPr marL="1371600" algn="l" defTabSz="914400" rtl="0" eaLnBrk="1" latinLnBrk="0" hangingPunct="1">
-              <a:defRPr sz="1800" kern="1200">
-                <a:solidFill>
-                  <a:schemeClr val="tx1"/>
-                </a:solidFill>
-                <a:latin typeface="+mn-lt"/>
-                <a:ea typeface="+mn-ea"/>
-                <a:cs typeface="+mn-cs"/>
-              </a:defRPr>
-            </a:lvl4pPr>
-            <a:lvl5pPr marL="1828800" algn="l" defTabSz="914400" rtl="0" eaLnBrk="1" latinLnBrk="0" hangingPunct="1">
-              <a:defRPr sz="1800" kern="1200">
-                <a:solidFill>
-                  <a:schemeClr val="tx1"/>
-                </a:solidFill>
-                <a:latin typeface="+mn-lt"/>
-                <a:ea typeface="+mn-ea"/>
-                <a:cs typeface="+mn-cs"/>
-              </a:defRPr>
-            </a:lvl5pPr>
-            <a:lvl6pPr marL="2286000" algn="l" defTabSz="914400" rtl="0" eaLnBrk="1" latinLnBrk="0" hangingPunct="1">
-              <a:defRPr sz="1800" kern="1200">
-                <a:solidFill>
-                  <a:schemeClr val="tx1"/>
-                </a:solidFill>
-                <a:latin typeface="+mn-lt"/>
-                <a:ea typeface="+mn-ea"/>
-                <a:cs typeface="+mn-cs"/>
-              </a:defRPr>
-            </a:lvl6pPr>
-            <a:lvl7pPr marL="2743200" algn="l" defTabSz="914400" rtl="0" eaLnBrk="1" latinLnBrk="0" hangingPunct="1">
-              <a:defRPr sz="1800" kern="1200">
-                <a:solidFill>
-                  <a:schemeClr val="tx1"/>
-                </a:solidFill>
-                <a:latin typeface="+mn-lt"/>
-                <a:ea typeface="+mn-ea"/>
-                <a:cs typeface="+mn-cs"/>
-              </a:defRPr>
-            </a:lvl7pPr>
-            <a:lvl8pPr marL="3200400" algn="l" defTabSz="914400" rtl="0" eaLnBrk="1" latinLnBrk="0" hangingPunct="1">
-              <a:defRPr sz="1800" kern="1200">
-                <a:solidFill>
-                  <a:schemeClr val="tx1"/>
-                </a:solidFill>
-                <a:latin typeface="+mn-lt"/>
-                <a:ea typeface="+mn-ea"/>
-                <a:cs typeface="+mn-cs"/>
-              </a:defRPr>
-            </a:lvl8pPr>
-            <a:lvl9pPr marL="3657600" algn="l" defTabSz="914400" rtl="0" eaLnBrk="1" latinLnBrk="0" hangingPunct="1">
-              <a:defRPr sz="1800" kern="1200">
-                <a:solidFill>
-                  <a:schemeClr val="tx1"/>
-                </a:solidFill>
-                <a:latin typeface="+mn-lt"/>
-                <a:ea typeface="+mn-ea"/>
-                <a:cs typeface="+mn-cs"/>
-              </a:defRPr>
-            </a:lvl9pPr>
-          </a:lstStyle>
-          <a:p>
-            <a:r>
-              <a:rPr lang="en-US" dirty="0"/>
-              <a:t>Irfan</a:t>
-            </a:r>
-          </a:p>
-        </p:txBody>
-      </p:sp>
-      <p:pic>
-        <p:nvPicPr>
-          <p:cNvPr id="9" name="Picture 8" descr="A graph with numbers and a line&#10;&#10;Description automatically generated">
-            <a:extLst>
-              <a:ext uri="{FF2B5EF4-FFF2-40B4-BE49-F238E27FC236}">
-                <a16:creationId xmlns:a16="http://schemas.microsoft.com/office/drawing/2014/main" id="{81A6EF8C-F841-0499-AA5F-7054F5B0557D}"/>
-              </a:ext>
-            </a:extLst>
-          </p:cNvPr>
-          <p:cNvPicPr>
-            <a:picLocks noChangeAspect="1"/>
-          </p:cNvPicPr>
-          <p:nvPr/>
-        </p:nvPicPr>
-        <p:blipFill>
-          <a:blip r:embed="rId3"/>
-          <a:stretch>
-            <a:fillRect/>
-          </a:stretch>
-        </p:blipFill>
-        <p:spPr>
-          <a:xfrm>
-            <a:off x="6095999" y="2673627"/>
-            <a:ext cx="4647236" cy="3485427"/>
-          </a:xfrm>
-          <a:prstGeom prst="rect">
-            <a:avLst/>
-          </a:prstGeom>
-        </p:spPr>
-      </p:pic>
-    </p:spTree>
-    <p:extLst>
-      <p:ext uri="{BB962C8B-B14F-4D97-AF65-F5344CB8AC3E}">
-        <p14:creationId xmlns:p14="http://schemas.microsoft.com/office/powerpoint/2010/main" val="3725443950"/>
-      </p:ext>
-    </p:extLst>
-  </p:cSld>
-  <p:clrMapOvr>
-    <a:masterClrMapping/>
-  </p:clrMapOvr>
-</p:sld>
-</file>
-
-<file path=ppt/slides/slide12.xml><?xml version="1.0" encoding="utf-8"?>
-<p:sld xmlns:a="http://schemas.openxmlformats.org/drawingml/2006/main" xmlns:r="http://schemas.openxmlformats.org/officeDocument/2006/relationships" xmlns:p="http://schemas.openxmlformats.org/presentationml/2006/main">
-  <p:cSld>
-    <p:spTree>
-      <p:nvGrpSpPr>
-        <p:cNvPr id="1" name=""/>
-        <p:cNvGrpSpPr/>
-        <p:nvPr/>
-      </p:nvGrpSpPr>
-      <p:grpSpPr>
-        <a:xfrm>
-          <a:off x="0" y="0"/>
-          <a:ext cx="0" cy="0"/>
-          <a:chOff x="0" y="0"/>
-          <a:chExt cx="0" cy="0"/>
-        </a:xfrm>
-      </p:grpSpPr>
-      <p:sp>
-        <p:nvSpPr>
-          <p:cNvPr id="2" name="Title 1">
-            <a:extLst>
-              <a:ext uri="{FF2B5EF4-FFF2-40B4-BE49-F238E27FC236}">
-                <a16:creationId xmlns:a16="http://schemas.microsoft.com/office/drawing/2014/main" id="{4F6A2D15-4D68-4BF7-9421-032AE6C8852C}"/>
-              </a:ext>
-            </a:extLst>
-          </p:cNvPr>
-          <p:cNvSpPr>
-            <a:spLocks noGrp="1"/>
-          </p:cNvSpPr>
-          <p:nvPr>
-            <p:ph type="title"/>
-          </p:nvPr>
-        </p:nvSpPr>
-        <p:spPr>
-          <a:xfrm>
-            <a:off x="1307008" y="336701"/>
-            <a:ext cx="9577983" cy="1325563"/>
-          </a:xfrm>
-        </p:spPr>
-        <p:txBody>
-          <a:bodyPr/>
-          <a:lstStyle/>
-          <a:p>
-            <a:r>
-              <a:rPr lang="en-US" dirty="0"/>
-              <a:t>How have the stock trends performed over time? can we Predict Future Trends?</a:t>
-            </a:r>
-          </a:p>
-        </p:txBody>
-      </p:sp>
-      <p:sp>
-        <p:nvSpPr>
-          <p:cNvPr id="24" name="Footer Placeholder 23">
-            <a:extLst>
-              <a:ext uri="{FF2B5EF4-FFF2-40B4-BE49-F238E27FC236}">
-                <a16:creationId xmlns:a16="http://schemas.microsoft.com/office/drawing/2014/main" id="{918C3C97-444D-4600-8553-B9C4C1F8483B}"/>
-              </a:ext>
-            </a:extLst>
-          </p:cNvPr>
-          <p:cNvSpPr>
-            <a:spLocks noGrp="1"/>
-          </p:cNvSpPr>
-          <p:nvPr>
-            <p:ph type="ftr" sz="quarter" idx="11"/>
-          </p:nvPr>
-        </p:nvSpPr>
-        <p:spPr>
-          <a:xfrm>
-            <a:off x="1573227" y="6156174"/>
-            <a:ext cx="4114800" cy="365125"/>
-          </a:xfrm>
-        </p:spPr>
-        <p:txBody>
-          <a:bodyPr/>
-          <a:lstStyle/>
-          <a:p>
-            <a:r>
-              <a:rPr lang="en-US" dirty="0"/>
-              <a:t>Irfan</a:t>
-            </a:r>
-          </a:p>
-        </p:txBody>
-      </p:sp>
-      <p:sp>
-        <p:nvSpPr>
-          <p:cNvPr id="5" name="TextBox 4">
-            <a:extLst>
-              <a:ext uri="{FF2B5EF4-FFF2-40B4-BE49-F238E27FC236}">
-                <a16:creationId xmlns:a16="http://schemas.microsoft.com/office/drawing/2014/main" id="{2254930C-D835-67EE-67EE-F1F5BDA45880}"/>
-              </a:ext>
-            </a:extLst>
-          </p:cNvPr>
-          <p:cNvSpPr txBox="1"/>
-          <p:nvPr/>
-        </p:nvSpPr>
-        <p:spPr>
-          <a:xfrm>
-            <a:off x="1870406" y="2147527"/>
-            <a:ext cx="3520440" cy="523220"/>
-          </a:xfrm>
-          <a:prstGeom prst="rect">
-            <a:avLst/>
-          </a:prstGeom>
-          <a:noFill/>
-        </p:spPr>
-        <p:txBody>
-          <a:bodyPr wrap="square" rtlCol="0">
-            <a:spAutoFit/>
-          </a:bodyPr>
-          <a:lstStyle/>
-          <a:p>
-            <a:pPr algn="ctr"/>
-            <a:r>
-              <a:rPr lang="en-US" sz="2800" i="0" dirty="0" err="1">
-                <a:effectLst/>
-                <a:latin typeface="Söhne"/>
-              </a:rPr>
-              <a:t>Viatris</a:t>
-            </a:r>
-            <a:r>
-              <a:rPr lang="en-US" sz="2800" i="0" dirty="0">
-                <a:effectLst/>
-                <a:latin typeface="Söhne"/>
-              </a:rPr>
-              <a:t> Inc.</a:t>
-            </a:r>
-            <a:endParaRPr lang="en-US" sz="2800" dirty="0"/>
-          </a:p>
-        </p:txBody>
-      </p:sp>
-      <p:sp>
-        <p:nvSpPr>
-          <p:cNvPr id="3" name="TextBox 2">
-            <a:extLst>
-              <a:ext uri="{FF2B5EF4-FFF2-40B4-BE49-F238E27FC236}">
-                <a16:creationId xmlns:a16="http://schemas.microsoft.com/office/drawing/2014/main" id="{1FC45DA1-6559-3200-D9B5-46073669444D}"/>
-              </a:ext>
-            </a:extLst>
-          </p:cNvPr>
-          <p:cNvSpPr txBox="1"/>
-          <p:nvPr/>
-        </p:nvSpPr>
-        <p:spPr>
-          <a:xfrm>
-            <a:off x="6517642" y="2147527"/>
-            <a:ext cx="3520440" cy="523220"/>
-          </a:xfrm>
-          <a:prstGeom prst="rect">
-            <a:avLst/>
-          </a:prstGeom>
-          <a:noFill/>
-        </p:spPr>
-        <p:txBody>
-          <a:bodyPr wrap="square" rtlCol="0">
-            <a:spAutoFit/>
-          </a:bodyPr>
-          <a:lstStyle/>
-          <a:p>
-            <a:pPr algn="ctr"/>
-            <a:r>
-              <a:rPr lang="en-US" sz="2800" i="0" dirty="0">
-                <a:effectLst/>
-                <a:latin typeface="Söhne"/>
-              </a:rPr>
-              <a:t>Zoetis Inc.</a:t>
-            </a:r>
-            <a:endParaRPr lang="en-US" sz="2800" dirty="0"/>
-          </a:p>
-        </p:txBody>
-      </p:sp>
-      <p:sp>
-        <p:nvSpPr>
-          <p:cNvPr id="7" name="Footer Placeholder 23">
-            <a:extLst>
-              <a:ext uri="{FF2B5EF4-FFF2-40B4-BE49-F238E27FC236}">
-                <a16:creationId xmlns:a16="http://schemas.microsoft.com/office/drawing/2014/main" id="{388A07FB-D142-7BC8-DE2C-ABC69E2EFE92}"/>
-              </a:ext>
-            </a:extLst>
-          </p:cNvPr>
-          <p:cNvSpPr txBox="1">
-            <a:spLocks/>
-          </p:cNvSpPr>
-          <p:nvPr/>
-        </p:nvSpPr>
-        <p:spPr>
-          <a:xfrm>
-            <a:off x="6220461" y="6156173"/>
-            <a:ext cx="4114800" cy="365125"/>
-          </a:xfrm>
-          <a:prstGeom prst="rect">
-            <a:avLst/>
-          </a:prstGeom>
-        </p:spPr>
-        <p:txBody>
-          <a:bodyPr vert="horz" lIns="91440" tIns="45720" rIns="91440" bIns="45720" rtlCol="0" anchor="ctr"/>
-          <a:lstStyle>
-            <a:defPPr>
-              <a:defRPr lang="en-US"/>
-            </a:defPPr>
-            <a:lvl1pPr marL="0" algn="ctr" defTabSz="914400" rtl="0" eaLnBrk="1" latinLnBrk="0" hangingPunct="1">
-              <a:defRPr sz="900" kern="1200">
-                <a:solidFill>
-                  <a:schemeClr val="tx1">
-                    <a:tint val="75000"/>
-                  </a:schemeClr>
-                </a:solidFill>
-                <a:latin typeface="+mn-lt"/>
-                <a:ea typeface="+mn-ea"/>
-                <a:cs typeface="+mn-cs"/>
-              </a:defRPr>
-            </a:lvl1pPr>
-            <a:lvl2pPr marL="457200" algn="l" defTabSz="914400" rtl="0" eaLnBrk="1" latinLnBrk="0" hangingPunct="1">
-              <a:defRPr sz="1800" kern="1200">
-                <a:solidFill>
-                  <a:schemeClr val="tx1"/>
-                </a:solidFill>
-                <a:latin typeface="+mn-lt"/>
-                <a:ea typeface="+mn-ea"/>
-                <a:cs typeface="+mn-cs"/>
-              </a:defRPr>
-            </a:lvl2pPr>
-            <a:lvl3pPr marL="914400" algn="l" defTabSz="914400" rtl="0" eaLnBrk="1" latinLnBrk="0" hangingPunct="1">
-              <a:defRPr sz="1800" kern="1200">
-                <a:solidFill>
-                  <a:schemeClr val="tx1"/>
-                </a:solidFill>
-                <a:latin typeface="+mn-lt"/>
-                <a:ea typeface="+mn-ea"/>
-                <a:cs typeface="+mn-cs"/>
-              </a:defRPr>
-            </a:lvl3pPr>
-            <a:lvl4pPr marL="1371600" algn="l" defTabSz="914400" rtl="0" eaLnBrk="1" latinLnBrk="0" hangingPunct="1">
-              <a:defRPr sz="1800" kern="1200">
-                <a:solidFill>
-                  <a:schemeClr val="tx1"/>
-                </a:solidFill>
-                <a:latin typeface="+mn-lt"/>
-                <a:ea typeface="+mn-ea"/>
-                <a:cs typeface="+mn-cs"/>
-              </a:defRPr>
-            </a:lvl4pPr>
-            <a:lvl5pPr marL="1828800" algn="l" defTabSz="914400" rtl="0" eaLnBrk="1" latinLnBrk="0" hangingPunct="1">
-              <a:defRPr sz="1800" kern="1200">
-                <a:solidFill>
-                  <a:schemeClr val="tx1"/>
-                </a:solidFill>
-                <a:latin typeface="+mn-lt"/>
-                <a:ea typeface="+mn-ea"/>
-                <a:cs typeface="+mn-cs"/>
-              </a:defRPr>
-            </a:lvl5pPr>
-            <a:lvl6pPr marL="2286000" algn="l" defTabSz="914400" rtl="0" eaLnBrk="1" latinLnBrk="0" hangingPunct="1">
-              <a:defRPr sz="1800" kern="1200">
-                <a:solidFill>
-                  <a:schemeClr val="tx1"/>
-                </a:solidFill>
-                <a:latin typeface="+mn-lt"/>
-                <a:ea typeface="+mn-ea"/>
-                <a:cs typeface="+mn-cs"/>
-              </a:defRPr>
-            </a:lvl6pPr>
-            <a:lvl7pPr marL="2743200" algn="l" defTabSz="914400" rtl="0" eaLnBrk="1" latinLnBrk="0" hangingPunct="1">
-              <a:defRPr sz="1800" kern="1200">
-                <a:solidFill>
-                  <a:schemeClr val="tx1"/>
-                </a:solidFill>
-                <a:latin typeface="+mn-lt"/>
-                <a:ea typeface="+mn-ea"/>
-                <a:cs typeface="+mn-cs"/>
-              </a:defRPr>
-            </a:lvl7pPr>
-            <a:lvl8pPr marL="3200400" algn="l" defTabSz="914400" rtl="0" eaLnBrk="1" latinLnBrk="0" hangingPunct="1">
-              <a:defRPr sz="1800" kern="1200">
-                <a:solidFill>
-                  <a:schemeClr val="tx1"/>
-                </a:solidFill>
-                <a:latin typeface="+mn-lt"/>
-                <a:ea typeface="+mn-ea"/>
-                <a:cs typeface="+mn-cs"/>
-              </a:defRPr>
-            </a:lvl8pPr>
-            <a:lvl9pPr marL="3657600" algn="l" defTabSz="914400" rtl="0" eaLnBrk="1" latinLnBrk="0" hangingPunct="1">
-              <a:defRPr sz="1800" kern="1200">
-                <a:solidFill>
-                  <a:schemeClr val="tx1"/>
-                </a:solidFill>
-                <a:latin typeface="+mn-lt"/>
-                <a:ea typeface="+mn-ea"/>
-                <a:cs typeface="+mn-cs"/>
-              </a:defRPr>
-            </a:lvl9pPr>
-          </a:lstStyle>
-          <a:p>
-            <a:r>
-              <a:rPr lang="en-US" dirty="0"/>
-              <a:t>Irfan</a:t>
-            </a:r>
-          </a:p>
-        </p:txBody>
-      </p:sp>
-      <p:pic>
-        <p:nvPicPr>
-          <p:cNvPr id="9" name="Picture 8" descr="A graph with numbers and a red line&#10;&#10;Description automatically generated">
-            <a:extLst>
-              <a:ext uri="{FF2B5EF4-FFF2-40B4-BE49-F238E27FC236}">
-                <a16:creationId xmlns:a16="http://schemas.microsoft.com/office/drawing/2014/main" id="{DFC68EA8-1634-E48B-EADF-F5F9A6F45985}"/>
-              </a:ext>
-            </a:extLst>
-          </p:cNvPr>
-          <p:cNvPicPr>
-            <a:picLocks noChangeAspect="1"/>
-          </p:cNvPicPr>
-          <p:nvPr/>
-        </p:nvPicPr>
-        <p:blipFill>
-          <a:blip r:embed="rId2"/>
-          <a:stretch>
-            <a:fillRect/>
-          </a:stretch>
-        </p:blipFill>
-        <p:spPr>
-          <a:xfrm>
-            <a:off x="1307007" y="2680685"/>
-            <a:ext cx="4647236" cy="3485427"/>
-          </a:xfrm>
-          <a:prstGeom prst="rect">
-            <a:avLst/>
-          </a:prstGeom>
-        </p:spPr>
-      </p:pic>
-      <p:pic>
-        <p:nvPicPr>
-          <p:cNvPr id="11" name="Picture 10" descr="A graph with numbers and a red line&#10;&#10;Description automatically generated">
-            <a:extLst>
-              <a:ext uri="{FF2B5EF4-FFF2-40B4-BE49-F238E27FC236}">
-                <a16:creationId xmlns:a16="http://schemas.microsoft.com/office/drawing/2014/main" id="{AF90D637-C0A7-C147-1000-E4DAA25EA327}"/>
-              </a:ext>
-            </a:extLst>
-          </p:cNvPr>
-          <p:cNvPicPr>
-            <a:picLocks noChangeAspect="1"/>
-          </p:cNvPicPr>
-          <p:nvPr/>
-        </p:nvPicPr>
-        <p:blipFill>
-          <a:blip r:embed="rId3"/>
-          <a:stretch>
-            <a:fillRect/>
-          </a:stretch>
-        </p:blipFill>
-        <p:spPr>
-          <a:xfrm>
-            <a:off x="5954243" y="2680685"/>
-            <a:ext cx="4647236" cy="3485427"/>
-          </a:xfrm>
-          <a:prstGeom prst="rect">
-            <a:avLst/>
-          </a:prstGeom>
-        </p:spPr>
-      </p:pic>
-    </p:spTree>
-    <p:extLst>
-      <p:ext uri="{BB962C8B-B14F-4D97-AF65-F5344CB8AC3E}">
-        <p14:creationId xmlns:p14="http://schemas.microsoft.com/office/powerpoint/2010/main" val="4154536336"/>
-      </p:ext>
-    </p:extLst>
-  </p:cSld>
-  <p:clrMapOvr>
-    <a:masterClrMapping/>
-  </p:clrMapOvr>
-</p:sld>
-</file>
-
-<file path=ppt/slides/slide13.xml><?xml version="1.0" encoding="utf-8"?>
-<p:sld xmlns:a="http://schemas.openxmlformats.org/drawingml/2006/main" xmlns:r="http://schemas.openxmlformats.org/officeDocument/2006/relationships" xmlns:p="http://schemas.openxmlformats.org/presentationml/2006/main">
-  <p:cSld>
-    <p:spTree>
-      <p:nvGrpSpPr>
-        <p:cNvPr id="1" name=""/>
-        <p:cNvGrpSpPr/>
-        <p:nvPr/>
-      </p:nvGrpSpPr>
-      <p:grpSpPr>
-        <a:xfrm>
-          <a:off x="0" y="0"/>
-          <a:ext cx="0" cy="0"/>
-          <a:chOff x="0" y="0"/>
-          <a:chExt cx="0" cy="0"/>
-        </a:xfrm>
-      </p:grpSpPr>
-      <p:sp>
-        <p:nvSpPr>
-          <p:cNvPr id="2" name="Title 1">
-            <a:extLst>
-              <a:ext uri="{FF2B5EF4-FFF2-40B4-BE49-F238E27FC236}">
                 <a16:creationId xmlns:a16="http://schemas.microsoft.com/office/drawing/2014/main" id="{8BDF1EDE-5423-435C-B149-87AB1BC22B83}"/>
               </a:ext>
             </a:extLst>
@@ -10942,7 +10140,7 @@
             <a:fld id="{A49DFD55-3C28-40EF-9E31-A92D2E4017FF}" type="slidenum">
               <a:rPr lang="en-US" smtClean="0"/>
               <a:pPr/>
-              <a:t>13</a:t>
+              <a:t>11</a:t>
             </a:fld>
             <a:endParaRPr lang="en-US" dirty="0"/>
           </a:p>
@@ -11812,7 +11010,7 @@
           <p:cNvPr id="2" name="Title 1">
             <a:extLst>
               <a:ext uri="{FF2B5EF4-FFF2-40B4-BE49-F238E27FC236}">
-                <a16:creationId xmlns:a16="http://schemas.microsoft.com/office/drawing/2014/main" id="{C52999EB-7966-833F-E871-94803A638EE4}"/>
+                <a16:creationId xmlns:a16="http://schemas.microsoft.com/office/drawing/2014/main" id="{4F6A2D15-4D68-4BF7-9421-032AE6C8852C}"/>
               </a:ext>
             </a:extLst>
           </p:cNvPr>
@@ -11823,54 +11021,62 @@
             <p:ph type="title"/>
           </p:nvPr>
         </p:nvSpPr>
-        <p:spPr/>
+        <p:spPr>
+          <a:xfrm>
+            <a:off x="1307008" y="336701"/>
+            <a:ext cx="9577983" cy="1325563"/>
+          </a:xfrm>
+        </p:spPr>
         <p:txBody>
           <a:bodyPr/>
           <a:lstStyle/>
           <a:p>
             <a:r>
               <a:rPr lang="en-US" dirty="0"/>
-              <a:t>Overall Performance</a:t>
-            </a:r>
-          </a:p>
-        </p:txBody>
-      </p:sp>
-      <p:sp>
-        <p:nvSpPr>
-          <p:cNvPr id="6" name="Slide Number Placeholder 5">
-            <a:extLst>
-              <a:ext uri="{FF2B5EF4-FFF2-40B4-BE49-F238E27FC236}">
-                <a16:creationId xmlns:a16="http://schemas.microsoft.com/office/drawing/2014/main" id="{1565A3B2-2534-0B65-CE19-3E8466A7AFFE}"/>
-              </a:ext>
-            </a:extLst>
-          </p:cNvPr>
-          <p:cNvSpPr>
-            <a:spLocks noGrp="1"/>
-          </p:cNvSpPr>
-          <p:nvPr>
-            <p:ph type="sldNum" sz="quarter" idx="12"/>
-          </p:nvPr>
-        </p:nvSpPr>
-        <p:spPr/>
+              <a:t>How have the stock trends performed over time?</a:t>
+            </a:r>
+          </a:p>
+        </p:txBody>
+      </p:sp>
+      <p:sp>
+        <p:nvSpPr>
+          <p:cNvPr id="24" name="Footer Placeholder 23">
+            <a:extLst>
+              <a:ext uri="{FF2B5EF4-FFF2-40B4-BE49-F238E27FC236}">
+                <a16:creationId xmlns:a16="http://schemas.microsoft.com/office/drawing/2014/main" id="{918C3C97-444D-4600-8553-B9C4C1F8483B}"/>
+              </a:ext>
+            </a:extLst>
+          </p:cNvPr>
+          <p:cNvSpPr>
+            <a:spLocks noGrp="1"/>
+          </p:cNvSpPr>
+          <p:nvPr>
+            <p:ph type="ftr" sz="quarter" idx="11"/>
+          </p:nvPr>
+        </p:nvSpPr>
+        <p:spPr>
+          <a:xfrm>
+            <a:off x="4038600" y="6356350"/>
+            <a:ext cx="4114800" cy="365125"/>
+          </a:xfrm>
+        </p:spPr>
         <p:txBody>
           <a:bodyPr/>
           <a:lstStyle/>
           <a:p>
-            <a:fld id="{A49DFD55-3C28-40EF-9E31-A92D2E4017FF}" type="slidenum">
-              <a:rPr lang="en-US" smtClean="0"/>
-              <a:pPr/>
-              <a:t>6</a:t>
-            </a:fld>
-            <a:endParaRPr lang="en-US" dirty="0"/>
+            <a:r>
+              <a:rPr lang="en-US" dirty="0"/>
+              <a:t>Corey</a:t>
+            </a:r>
           </a:p>
         </p:txBody>
       </p:sp>
       <p:pic>
         <p:nvPicPr>
-          <p:cNvPr id="8" name="Picture 7" descr="A graph of different colored lines&#10;&#10;Description automatically generated">
-            <a:extLst>
-              <a:ext uri="{FF2B5EF4-FFF2-40B4-BE49-F238E27FC236}">
-                <a16:creationId xmlns:a16="http://schemas.microsoft.com/office/drawing/2014/main" id="{08F12CE8-52A9-3FAB-4F4E-37D2FDB970C1}"/>
+          <p:cNvPr id="4" name="Picture 3" descr="A graph with blue dots and red line&#10;&#10;Description automatically generated">
+            <a:extLst>
+              <a:ext uri="{FF2B5EF4-FFF2-40B4-BE49-F238E27FC236}">
+                <a16:creationId xmlns:a16="http://schemas.microsoft.com/office/drawing/2014/main" id="{CED44DC4-1D1A-368B-42E3-4E728CCB576A}"/>
               </a:ext>
             </a:extLst>
           </p:cNvPr>
@@ -11887,18 +11093,126 @@
         </p:blipFill>
         <p:spPr>
           <a:xfrm>
-            <a:off x="2940812" y="1459866"/>
-            <a:ext cx="6310376" cy="4732782"/>
+            <a:off x="1307008" y="2948940"/>
+            <a:ext cx="4498404" cy="3373803"/>
           </a:xfrm>
           <a:prstGeom prst="rect">
             <a:avLst/>
           </a:prstGeom>
         </p:spPr>
       </p:pic>
+      <p:sp>
+        <p:nvSpPr>
+          <p:cNvPr id="5" name="TextBox 4">
+            <a:extLst>
+              <a:ext uri="{FF2B5EF4-FFF2-40B4-BE49-F238E27FC236}">
+                <a16:creationId xmlns:a16="http://schemas.microsoft.com/office/drawing/2014/main" id="{2254930C-D835-67EE-67EE-F1F5BDA45880}"/>
+              </a:ext>
+            </a:extLst>
+          </p:cNvPr>
+          <p:cNvSpPr txBox="1"/>
+          <p:nvPr/>
+        </p:nvSpPr>
+        <p:spPr>
+          <a:xfrm>
+            <a:off x="1856232" y="2446020"/>
+            <a:ext cx="3520440" cy="523220"/>
+          </a:xfrm>
+          <a:prstGeom prst="rect">
+            <a:avLst/>
+          </a:prstGeom>
+          <a:noFill/>
+        </p:spPr>
+        <p:txBody>
+          <a:bodyPr wrap="square" rtlCol="0">
+            <a:spAutoFit/>
+          </a:bodyPr>
+          <a:lstStyle/>
+          <a:p>
+            <a:pPr algn="ctr"/>
+            <a:r>
+              <a:rPr lang="en-US" sz="2800" dirty="0"/>
+              <a:t>AbbVie Inc</a:t>
+            </a:r>
+          </a:p>
+        </p:txBody>
+      </p:sp>
+      <p:pic>
+        <p:nvPicPr>
+          <p:cNvPr id="7" name="Picture 6" descr="A graph with numbers and dots&#10;&#10;Description automatically generated">
+            <a:extLst>
+              <a:ext uri="{FF2B5EF4-FFF2-40B4-BE49-F238E27FC236}">
+                <a16:creationId xmlns:a16="http://schemas.microsoft.com/office/drawing/2014/main" id="{78F7721C-CC3A-DC1E-99A4-7541D84AE9A6}"/>
+              </a:ext>
+            </a:extLst>
+          </p:cNvPr>
+          <p:cNvPicPr>
+            <a:picLocks noChangeAspect="1"/>
+          </p:cNvPicPr>
+          <p:nvPr/>
+        </p:nvPicPr>
+        <p:blipFill>
+          <a:blip r:embed="rId3"/>
+          <a:stretch>
+            <a:fillRect/>
+          </a:stretch>
+        </p:blipFill>
+        <p:spPr>
+          <a:xfrm>
+            <a:off x="6460235" y="3008495"/>
+            <a:ext cx="4463807" cy="3347855"/>
+          </a:xfrm>
+          <a:prstGeom prst="rect">
+            <a:avLst/>
+          </a:prstGeom>
+        </p:spPr>
+      </p:pic>
+      <p:sp>
+        <p:nvSpPr>
+          <p:cNvPr id="8" name="TextBox 7">
+            <a:extLst>
+              <a:ext uri="{FF2B5EF4-FFF2-40B4-BE49-F238E27FC236}">
+                <a16:creationId xmlns:a16="http://schemas.microsoft.com/office/drawing/2014/main" id="{3FDF9D8D-C677-0576-3FE3-CC3578FA803A}"/>
+              </a:ext>
+            </a:extLst>
+          </p:cNvPr>
+          <p:cNvSpPr txBox="1"/>
+          <p:nvPr/>
+        </p:nvSpPr>
+        <p:spPr>
+          <a:xfrm>
+            <a:off x="6931918" y="2166316"/>
+            <a:ext cx="3520440" cy="954107"/>
+          </a:xfrm>
+          <a:prstGeom prst="rect">
+            <a:avLst/>
+          </a:prstGeom>
+          <a:noFill/>
+        </p:spPr>
+        <p:txBody>
+          <a:bodyPr wrap="square" rtlCol="0">
+            <a:spAutoFit/>
+          </a:bodyPr>
+          <a:lstStyle/>
+          <a:p>
+            <a:pPr algn="ctr"/>
+            <a:r>
+              <a:rPr lang="en-US" sz="2800" b="0" i="0" dirty="0">
+                <a:solidFill>
+                  <a:srgbClr val="202124"/>
+                </a:solidFill>
+                <a:effectLst/>
+              </a:rPr>
+              <a:t>Bristol-Myers Squibb Co</a:t>
+            </a:r>
+            <a:endParaRPr lang="en-US" sz="2800" dirty="0"/>
+          </a:p>
+        </p:txBody>
+      </p:sp>
     </p:spTree>
     <p:extLst>
       <p:ext uri="{BB962C8B-B14F-4D97-AF65-F5344CB8AC3E}">
-        <p14:creationId xmlns:p14="http://schemas.microsoft.com/office/powerpoint/2010/main" val="2907688502"/>
+        <p14:creationId xmlns:p14="http://schemas.microsoft.com/office/powerpoint/2010/main" val="2619301236"/>
       </p:ext>
     </p:extLst>
   </p:cSld>
@@ -11930,7 +11244,7 @@
           <p:cNvPr id="2" name="Title 1">
             <a:extLst>
               <a:ext uri="{FF2B5EF4-FFF2-40B4-BE49-F238E27FC236}">
-                <a16:creationId xmlns:a16="http://schemas.microsoft.com/office/drawing/2014/main" id="{3E25B60B-1A57-4F79-992B-C85E46A8A943}"/>
+                <a16:creationId xmlns:a16="http://schemas.microsoft.com/office/drawing/2014/main" id="{4F6A2D15-4D68-4BF7-9421-032AE6C8852C}"/>
               </a:ext>
             </a:extLst>
           </p:cNvPr>
@@ -11941,54 +11255,146 @@
             <p:ph type="title"/>
           </p:nvPr>
         </p:nvSpPr>
-        <p:spPr/>
+        <p:spPr>
+          <a:xfrm>
+            <a:off x="1307008" y="336701"/>
+            <a:ext cx="9577983" cy="1325563"/>
+          </a:xfrm>
+        </p:spPr>
         <p:txBody>
           <a:bodyPr/>
           <a:lstStyle/>
           <a:p>
             <a:r>
               <a:rPr lang="en-US" dirty="0"/>
-              <a:t>Same Data. Two Stories</a:t>
-            </a:r>
-          </a:p>
-        </p:txBody>
-      </p:sp>
-      <p:sp>
-        <p:nvSpPr>
-          <p:cNvPr id="6" name="Slide Number Placeholder 5">
-            <a:extLst>
-              <a:ext uri="{FF2B5EF4-FFF2-40B4-BE49-F238E27FC236}">
-                <a16:creationId xmlns:a16="http://schemas.microsoft.com/office/drawing/2014/main" id="{ED3726F8-788B-0A71-C017-C2F40CE573AE}"/>
-              </a:ext>
-            </a:extLst>
-          </p:cNvPr>
-          <p:cNvSpPr>
-            <a:spLocks noGrp="1"/>
-          </p:cNvSpPr>
-          <p:nvPr>
-            <p:ph type="sldNum" sz="quarter" idx="12"/>
-          </p:nvPr>
-        </p:nvSpPr>
-        <p:spPr/>
+              <a:t>How have the stock trends performed over time?</a:t>
+            </a:r>
+          </a:p>
+        </p:txBody>
+      </p:sp>
+      <p:sp>
+        <p:nvSpPr>
+          <p:cNvPr id="24" name="Footer Placeholder 23">
+            <a:extLst>
+              <a:ext uri="{FF2B5EF4-FFF2-40B4-BE49-F238E27FC236}">
+                <a16:creationId xmlns:a16="http://schemas.microsoft.com/office/drawing/2014/main" id="{918C3C97-444D-4600-8553-B9C4C1F8483B}"/>
+              </a:ext>
+            </a:extLst>
+          </p:cNvPr>
+          <p:cNvSpPr>
+            <a:spLocks noGrp="1"/>
+          </p:cNvSpPr>
+          <p:nvPr>
+            <p:ph type="ftr" sz="quarter" idx="11"/>
+          </p:nvPr>
+        </p:nvSpPr>
+        <p:spPr>
+          <a:xfrm>
+            <a:off x="4038600" y="6356350"/>
+            <a:ext cx="4114800" cy="365125"/>
+          </a:xfrm>
+        </p:spPr>
         <p:txBody>
           <a:bodyPr/>
           <a:lstStyle/>
           <a:p>
-            <a:fld id="{A49DFD55-3C28-40EF-9E31-A92D2E4017FF}" type="slidenum">
-              <a:rPr lang="en-US" smtClean="0"/>
-              <a:pPr/>
-              <a:t>7</a:t>
-            </a:fld>
-            <a:endParaRPr lang="en-US" dirty="0"/>
+            <a:r>
+              <a:rPr lang="en-US" dirty="0"/>
+              <a:t>Corey</a:t>
+            </a:r>
+          </a:p>
+        </p:txBody>
+      </p:sp>
+      <p:sp>
+        <p:nvSpPr>
+          <p:cNvPr id="5" name="TextBox 4">
+            <a:extLst>
+              <a:ext uri="{FF2B5EF4-FFF2-40B4-BE49-F238E27FC236}">
+                <a16:creationId xmlns:a16="http://schemas.microsoft.com/office/drawing/2014/main" id="{2254930C-D835-67EE-67EE-F1F5BDA45880}"/>
+              </a:ext>
+            </a:extLst>
+          </p:cNvPr>
+          <p:cNvSpPr txBox="1"/>
+          <p:nvPr/>
+        </p:nvSpPr>
+        <p:spPr>
+          <a:xfrm>
+            <a:off x="1856232" y="2446020"/>
+            <a:ext cx="3520440" cy="523220"/>
+          </a:xfrm>
+          <a:prstGeom prst="rect">
+            <a:avLst/>
+          </a:prstGeom>
+          <a:noFill/>
+        </p:spPr>
+        <p:txBody>
+          <a:bodyPr wrap="square" rtlCol="0">
+            <a:spAutoFit/>
+          </a:bodyPr>
+          <a:lstStyle/>
+          <a:p>
+            <a:pPr algn="ctr"/>
+            <a:r>
+              <a:rPr lang="en-US" sz="2800" b="0" i="0" dirty="0">
+                <a:solidFill>
+                  <a:srgbClr val="202124"/>
+                </a:solidFill>
+                <a:effectLst/>
+              </a:rPr>
+              <a:t>Catalent Inc</a:t>
+            </a:r>
+            <a:endParaRPr lang="en-US" sz="2800" dirty="0"/>
+          </a:p>
+        </p:txBody>
+      </p:sp>
+      <p:sp>
+        <p:nvSpPr>
+          <p:cNvPr id="8" name="TextBox 7">
+            <a:extLst>
+              <a:ext uri="{FF2B5EF4-FFF2-40B4-BE49-F238E27FC236}">
+                <a16:creationId xmlns:a16="http://schemas.microsoft.com/office/drawing/2014/main" id="{3FDF9D8D-C677-0576-3FE3-CC3578FA803A}"/>
+              </a:ext>
+            </a:extLst>
+          </p:cNvPr>
+          <p:cNvSpPr txBox="1"/>
+          <p:nvPr/>
+        </p:nvSpPr>
+        <p:spPr>
+          <a:xfrm>
+            <a:off x="6896805" y="2446020"/>
+            <a:ext cx="3520440" cy="523220"/>
+          </a:xfrm>
+          <a:prstGeom prst="rect">
+            <a:avLst/>
+          </a:prstGeom>
+          <a:noFill/>
+        </p:spPr>
+        <p:txBody>
+          <a:bodyPr wrap="square" rtlCol="0">
+            <a:spAutoFit/>
+          </a:bodyPr>
+          <a:lstStyle/>
+          <a:p>
+            <a:pPr algn="ctr"/>
+            <a:r>
+              <a:rPr lang="en-US" sz="2800" b="0" i="0" dirty="0">
+                <a:solidFill>
+                  <a:srgbClr val="202124"/>
+                </a:solidFill>
+                <a:effectLst/>
+              </a:rPr>
+              <a:t>Eli Lilly And Co</a:t>
+            </a:r>
+            <a:endParaRPr lang="en-US" sz="2800" dirty="0"/>
           </a:p>
         </p:txBody>
       </p:sp>
       <p:pic>
         <p:nvPicPr>
-          <p:cNvPr id="8" name="Picture 7" descr="A graph of different colored lines&#10;&#10;Description automatically generated">
-            <a:extLst>
-              <a:ext uri="{FF2B5EF4-FFF2-40B4-BE49-F238E27FC236}">
-                <a16:creationId xmlns:a16="http://schemas.microsoft.com/office/drawing/2014/main" id="{01AE06ED-7720-0E03-6F5F-9CE27BC0D5A9}"/>
+          <p:cNvPr id="6" name="Picture 5" descr="A graph with numbers and dots&#10;&#10;Description automatically generated">
+            <a:extLst>
+              <a:ext uri="{FF2B5EF4-FFF2-40B4-BE49-F238E27FC236}">
+                <a16:creationId xmlns:a16="http://schemas.microsoft.com/office/drawing/2014/main" id="{15ADADC0-C9CB-2B06-30B3-A550F16D2BE1}"/>
               </a:ext>
             </a:extLst>
           </p:cNvPr>
@@ -12005,8 +11411,8 @@
         </p:blipFill>
         <p:spPr>
           <a:xfrm>
-            <a:off x="6096000" y="1459866"/>
-            <a:ext cx="5842000" cy="4381500"/>
+            <a:off x="1424115" y="3090980"/>
+            <a:ext cx="4314569" cy="3235927"/>
           </a:xfrm>
           <a:prstGeom prst="rect">
             <a:avLst/>
@@ -12015,10 +11421,10 @@
       </p:pic>
       <p:pic>
         <p:nvPicPr>
-          <p:cNvPr id="10" name="Picture 9" descr="A graph of different colored lines&#10;&#10;Description automatically generated">
-            <a:extLst>
-              <a:ext uri="{FF2B5EF4-FFF2-40B4-BE49-F238E27FC236}">
-                <a16:creationId xmlns:a16="http://schemas.microsoft.com/office/drawing/2014/main" id="{AB3D5A10-F1C4-A371-2C98-AB5AA4D03793}"/>
+          <p:cNvPr id="10" name="Picture 9" descr="A graph with numbers and a line&#10;&#10;Description automatically generated">
+            <a:extLst>
+              <a:ext uri="{FF2B5EF4-FFF2-40B4-BE49-F238E27FC236}">
+                <a16:creationId xmlns:a16="http://schemas.microsoft.com/office/drawing/2014/main" id="{809AC9D6-CE00-738A-324C-0296434FCBD1}"/>
               </a:ext>
             </a:extLst>
           </p:cNvPr>
@@ -12035,8 +11441,8 @@
         </p:blipFill>
         <p:spPr>
           <a:xfrm>
-            <a:off x="254000" y="1459866"/>
-            <a:ext cx="5842000" cy="4381500"/>
+            <a:off x="6499740" y="3120423"/>
+            <a:ext cx="4314570" cy="3235928"/>
           </a:xfrm>
           <a:prstGeom prst="rect">
             <a:avLst/>
@@ -12046,7 +11452,7 @@
     </p:spTree>
     <p:extLst>
       <p:ext uri="{BB962C8B-B14F-4D97-AF65-F5344CB8AC3E}">
-        <p14:creationId xmlns:p14="http://schemas.microsoft.com/office/powerpoint/2010/main" val="532099276"/>
+        <p14:creationId xmlns:p14="http://schemas.microsoft.com/office/powerpoint/2010/main" val="1609375222"/>
       </p:ext>
     </p:extLst>
   </p:cSld>
@@ -12101,7 +11507,7 @@
           <a:p>
             <a:r>
               <a:rPr lang="en-US" dirty="0"/>
-              <a:t>How have the stock trends performed over time? can we Predict Future Trends?</a:t>
+              <a:t>How have the stock trends performed over time?</a:t>
             </a:r>
           </a:p>
         </p:txBody>
@@ -12134,17 +11540,101 @@
           <a:p>
             <a:r>
               <a:rPr lang="en-US" dirty="0"/>
-              <a:t>Corey</a:t>
-            </a:r>
+              <a:t>Jackson</a:t>
+            </a:r>
+          </a:p>
+        </p:txBody>
+      </p:sp>
+      <p:sp>
+        <p:nvSpPr>
+          <p:cNvPr id="5" name="TextBox 4">
+            <a:extLst>
+              <a:ext uri="{FF2B5EF4-FFF2-40B4-BE49-F238E27FC236}">
+                <a16:creationId xmlns:a16="http://schemas.microsoft.com/office/drawing/2014/main" id="{2254930C-D835-67EE-67EE-F1F5BDA45880}"/>
+              </a:ext>
+            </a:extLst>
+          </p:cNvPr>
+          <p:cNvSpPr txBox="1"/>
+          <p:nvPr/>
+        </p:nvSpPr>
+        <p:spPr>
+          <a:xfrm>
+            <a:off x="1856232" y="2446020"/>
+            <a:ext cx="3520440" cy="523220"/>
+          </a:xfrm>
+          <a:prstGeom prst="rect">
+            <a:avLst/>
+          </a:prstGeom>
+          <a:noFill/>
+        </p:spPr>
+        <p:txBody>
+          <a:bodyPr wrap="square" rtlCol="0">
+            <a:spAutoFit/>
+          </a:bodyPr>
+          <a:lstStyle/>
+          <a:p>
+            <a:pPr algn="ctr"/>
+            <a:r>
+              <a:rPr lang="en-US" sz="2800" b="0" i="0" dirty="0">
+                <a:solidFill>
+                  <a:srgbClr val="202124"/>
+                </a:solidFill>
+                <a:effectLst/>
+              </a:rPr>
+              <a:t>Johnson &amp; Johnson</a:t>
+            </a:r>
+            <a:endParaRPr lang="en-US" sz="2800" dirty="0"/>
+          </a:p>
+        </p:txBody>
+      </p:sp>
+      <p:sp>
+        <p:nvSpPr>
+          <p:cNvPr id="8" name="TextBox 7">
+            <a:extLst>
+              <a:ext uri="{FF2B5EF4-FFF2-40B4-BE49-F238E27FC236}">
+                <a16:creationId xmlns:a16="http://schemas.microsoft.com/office/drawing/2014/main" id="{3FDF9D8D-C677-0576-3FE3-CC3578FA803A}"/>
+              </a:ext>
+            </a:extLst>
+          </p:cNvPr>
+          <p:cNvSpPr txBox="1"/>
+          <p:nvPr/>
+        </p:nvSpPr>
+        <p:spPr>
+          <a:xfrm>
+            <a:off x="6888260" y="2446020"/>
+            <a:ext cx="3520440" cy="523220"/>
+          </a:xfrm>
+          <a:prstGeom prst="rect">
+            <a:avLst/>
+          </a:prstGeom>
+          <a:noFill/>
+        </p:spPr>
+        <p:txBody>
+          <a:bodyPr wrap="square" rtlCol="0">
+            <a:spAutoFit/>
+          </a:bodyPr>
+          <a:lstStyle/>
+          <a:p>
+            <a:pPr algn="ctr"/>
+            <a:r>
+              <a:rPr lang="en-US" sz="2800" b="0" i="0" dirty="0">
+                <a:solidFill>
+                  <a:srgbClr val="202124"/>
+                </a:solidFill>
+                <a:effectLst/>
+              </a:rPr>
+              <a:t>Merck &amp; Co Inc</a:t>
+            </a:r>
+            <a:endParaRPr lang="en-US" sz="2800" dirty="0"/>
           </a:p>
         </p:txBody>
       </p:sp>
       <p:pic>
         <p:nvPicPr>
-          <p:cNvPr id="4" name="Picture 3" descr="A graph with blue dots and red line&#10;&#10;Description automatically generated">
-            <a:extLst>
-              <a:ext uri="{FF2B5EF4-FFF2-40B4-BE49-F238E27FC236}">
-                <a16:creationId xmlns:a16="http://schemas.microsoft.com/office/drawing/2014/main" id="{CED44DC4-1D1A-368B-42E3-4E728CCB576A}"/>
+          <p:cNvPr id="4" name="Picture 3" descr="A graph with numbers and a red line&#10;&#10;Description automatically generated">
+            <a:extLst>
+              <a:ext uri="{FF2B5EF4-FFF2-40B4-BE49-F238E27FC236}">
+                <a16:creationId xmlns:a16="http://schemas.microsoft.com/office/drawing/2014/main" id="{38A47299-7D77-3DDB-0B4B-CBEF6608E29F}"/>
               </a:ext>
             </a:extLst>
           </p:cNvPr>
@@ -12161,56 +11651,20 @@
         </p:blipFill>
         <p:spPr>
           <a:xfrm>
-            <a:off x="1307008" y="2948940"/>
-            <a:ext cx="4498404" cy="3373803"/>
+            <a:off x="1459166" y="3120421"/>
+            <a:ext cx="4314571" cy="3235928"/>
           </a:xfrm>
           <a:prstGeom prst="rect">
             <a:avLst/>
           </a:prstGeom>
         </p:spPr>
       </p:pic>
-      <p:sp>
-        <p:nvSpPr>
-          <p:cNvPr id="5" name="TextBox 4">
-            <a:extLst>
-              <a:ext uri="{FF2B5EF4-FFF2-40B4-BE49-F238E27FC236}">
-                <a16:creationId xmlns:a16="http://schemas.microsoft.com/office/drawing/2014/main" id="{2254930C-D835-67EE-67EE-F1F5BDA45880}"/>
-              </a:ext>
-            </a:extLst>
-          </p:cNvPr>
-          <p:cNvSpPr txBox="1"/>
-          <p:nvPr/>
-        </p:nvSpPr>
-        <p:spPr>
-          <a:xfrm>
-            <a:off x="1856232" y="2446020"/>
-            <a:ext cx="3520440" cy="523220"/>
-          </a:xfrm>
-          <a:prstGeom prst="rect">
-            <a:avLst/>
-          </a:prstGeom>
-          <a:noFill/>
-        </p:spPr>
-        <p:txBody>
-          <a:bodyPr wrap="square" rtlCol="0">
-            <a:spAutoFit/>
-          </a:bodyPr>
-          <a:lstStyle/>
-          <a:p>
-            <a:pPr algn="ctr"/>
-            <a:r>
-              <a:rPr lang="en-US" sz="2800" dirty="0"/>
-              <a:t>AbbVie Inc</a:t>
-            </a:r>
-          </a:p>
-        </p:txBody>
-      </p:sp>
       <p:pic>
         <p:nvPicPr>
-          <p:cNvPr id="7" name="Picture 6" descr="A graph with numbers and dots&#10;&#10;Description automatically generated">
-            <a:extLst>
-              <a:ext uri="{FF2B5EF4-FFF2-40B4-BE49-F238E27FC236}">
-                <a16:creationId xmlns:a16="http://schemas.microsoft.com/office/drawing/2014/main" id="{78F7721C-CC3A-DC1E-99A4-7541D84AE9A6}"/>
+          <p:cNvPr id="9" name="Picture 8" descr="A graph with numbers and a red line&#10;&#10;Description automatically generated">
+            <a:extLst>
+              <a:ext uri="{FF2B5EF4-FFF2-40B4-BE49-F238E27FC236}">
+                <a16:creationId xmlns:a16="http://schemas.microsoft.com/office/drawing/2014/main" id="{D7FAC186-5D85-6AC4-4CD6-A6E7EA053EC9}"/>
               </a:ext>
             </a:extLst>
           </p:cNvPr>
@@ -12227,60 +11681,18 @@
         </p:blipFill>
         <p:spPr>
           <a:xfrm>
-            <a:off x="6460235" y="3008495"/>
-            <a:ext cx="4463807" cy="3347855"/>
+            <a:off x="6491194" y="3120421"/>
+            <a:ext cx="4314571" cy="3235928"/>
           </a:xfrm>
           <a:prstGeom prst="rect">
             <a:avLst/>
           </a:prstGeom>
         </p:spPr>
       </p:pic>
-      <p:sp>
-        <p:nvSpPr>
-          <p:cNvPr id="8" name="TextBox 7">
-            <a:extLst>
-              <a:ext uri="{FF2B5EF4-FFF2-40B4-BE49-F238E27FC236}">
-                <a16:creationId xmlns:a16="http://schemas.microsoft.com/office/drawing/2014/main" id="{3FDF9D8D-C677-0576-3FE3-CC3578FA803A}"/>
-              </a:ext>
-            </a:extLst>
-          </p:cNvPr>
-          <p:cNvSpPr txBox="1"/>
-          <p:nvPr/>
-        </p:nvSpPr>
-        <p:spPr>
-          <a:xfrm>
-            <a:off x="6931918" y="2166316"/>
-            <a:ext cx="3520440" cy="954107"/>
-          </a:xfrm>
-          <a:prstGeom prst="rect">
-            <a:avLst/>
-          </a:prstGeom>
-          <a:noFill/>
-        </p:spPr>
-        <p:txBody>
-          <a:bodyPr wrap="square" rtlCol="0">
-            <a:spAutoFit/>
-          </a:bodyPr>
-          <a:lstStyle/>
-          <a:p>
-            <a:pPr algn="ctr"/>
-            <a:r>
-              <a:rPr lang="en-US" sz="2800" b="0" i="0" dirty="0">
-                <a:solidFill>
-                  <a:srgbClr val="202124"/>
-                </a:solidFill>
-                <a:effectLst/>
-              </a:rPr>
-              <a:t>Bristol-Myers Squibb Co</a:t>
-            </a:r>
-            <a:endParaRPr lang="en-US" sz="2800" dirty="0"/>
-          </a:p>
-        </p:txBody>
-      </p:sp>
     </p:spTree>
     <p:extLst>
       <p:ext uri="{BB962C8B-B14F-4D97-AF65-F5344CB8AC3E}">
-        <p14:creationId xmlns:p14="http://schemas.microsoft.com/office/powerpoint/2010/main" val="2619301236"/>
+        <p14:creationId xmlns:p14="http://schemas.microsoft.com/office/powerpoint/2010/main" val="3972463515"/>
       </p:ext>
     </p:extLst>
   </p:cSld>
@@ -12335,7 +11747,7 @@
           <a:p>
             <a:r>
               <a:rPr lang="en-US" dirty="0"/>
-              <a:t>How have the stock trends performed over time? can we Predict Future Trends?</a:t>
+              <a:t>How have the stock trends performed over time?</a:t>
             </a:r>
           </a:p>
         </p:txBody>
@@ -12368,7 +11780,7 @@
           <a:p>
             <a:r>
               <a:rPr lang="en-US" dirty="0"/>
-              <a:t>Corey</a:t>
+              <a:t>Jackson</a:t>
             </a:r>
           </a:p>
         </p:txBody>
@@ -12387,7 +11799,7 @@
         </p:nvSpPr>
         <p:spPr>
           <a:xfrm>
-            <a:off x="1856232" y="2446020"/>
+            <a:off x="4335779" y="2347703"/>
             <a:ext cx="3520440" cy="523220"/>
           </a:xfrm>
           <a:prstGeom prst="rect">
@@ -12409,49 +11821,7 @@
                 </a:solidFill>
                 <a:effectLst/>
               </a:rPr>
-              <a:t>Catalent Inc</a:t>
-            </a:r>
-            <a:endParaRPr lang="en-US" sz="2800" dirty="0"/>
-          </a:p>
-        </p:txBody>
-      </p:sp>
-      <p:sp>
-        <p:nvSpPr>
-          <p:cNvPr id="8" name="TextBox 7">
-            <a:extLst>
-              <a:ext uri="{FF2B5EF4-FFF2-40B4-BE49-F238E27FC236}">
-                <a16:creationId xmlns:a16="http://schemas.microsoft.com/office/drawing/2014/main" id="{3FDF9D8D-C677-0576-3FE3-CC3578FA803A}"/>
-              </a:ext>
-            </a:extLst>
-          </p:cNvPr>
-          <p:cNvSpPr txBox="1"/>
-          <p:nvPr/>
-        </p:nvSpPr>
-        <p:spPr>
-          <a:xfrm>
-            <a:off x="6896805" y="2446020"/>
-            <a:ext cx="3520440" cy="523220"/>
-          </a:xfrm>
-          <a:prstGeom prst="rect">
-            <a:avLst/>
-          </a:prstGeom>
-          <a:noFill/>
-        </p:spPr>
-        <p:txBody>
-          <a:bodyPr wrap="square" rtlCol="0">
-            <a:spAutoFit/>
-          </a:bodyPr>
-          <a:lstStyle/>
-          <a:p>
-            <a:pPr algn="ctr"/>
-            <a:r>
-              <a:rPr lang="en-US" sz="2800" b="0" i="0" dirty="0">
-                <a:solidFill>
-                  <a:srgbClr val="202124"/>
-                </a:solidFill>
-                <a:effectLst/>
-              </a:rPr>
-              <a:t>Eli Lilly And Co</a:t>
+              <a:t>Organon &amp; Co</a:t>
             </a:r>
             <a:endParaRPr lang="en-US" sz="2800" dirty="0"/>
           </a:p>
@@ -12459,10 +11829,10 @@
       </p:sp>
       <p:pic>
         <p:nvPicPr>
-          <p:cNvPr id="6" name="Picture 5" descr="A graph with numbers and dots&#10;&#10;Description automatically generated">
-            <a:extLst>
-              <a:ext uri="{FF2B5EF4-FFF2-40B4-BE49-F238E27FC236}">
-                <a16:creationId xmlns:a16="http://schemas.microsoft.com/office/drawing/2014/main" id="{15ADADC0-C9CB-2B06-30B3-A550F16D2BE1}"/>
+          <p:cNvPr id="4" name="Picture 3" descr="A graph with numbers and a red line&#10;&#10;Description automatically generated">
+            <a:extLst>
+              <a:ext uri="{FF2B5EF4-FFF2-40B4-BE49-F238E27FC236}">
+                <a16:creationId xmlns:a16="http://schemas.microsoft.com/office/drawing/2014/main" id="{082B61F9-C76E-AD24-2CDC-75A07C493D0C}"/>
               </a:ext>
             </a:extLst>
           </p:cNvPr>
@@ -12479,38 +11849,8 @@
         </p:blipFill>
         <p:spPr>
           <a:xfrm>
-            <a:off x="1424115" y="3090980"/>
-            <a:ext cx="4314569" cy="3235927"/>
-          </a:xfrm>
-          <a:prstGeom prst="rect">
-            <a:avLst/>
-          </a:prstGeom>
-        </p:spPr>
-      </p:pic>
-      <p:pic>
-        <p:nvPicPr>
-          <p:cNvPr id="10" name="Picture 9" descr="A graph with numbers and a line&#10;&#10;Description automatically generated">
-            <a:extLst>
-              <a:ext uri="{FF2B5EF4-FFF2-40B4-BE49-F238E27FC236}">
-                <a16:creationId xmlns:a16="http://schemas.microsoft.com/office/drawing/2014/main" id="{809AC9D6-CE00-738A-324C-0296434FCBD1}"/>
-              </a:ext>
-            </a:extLst>
-          </p:cNvPr>
-          <p:cNvPicPr>
-            <a:picLocks noChangeAspect="1"/>
-          </p:cNvPicPr>
-          <p:nvPr/>
-        </p:nvPicPr>
-        <p:blipFill>
-          <a:blip r:embed="rId3"/>
-          <a:stretch>
-            <a:fillRect/>
-          </a:stretch>
-        </p:blipFill>
-        <p:spPr>
-          <a:xfrm>
-            <a:off x="6499740" y="3120423"/>
-            <a:ext cx="4314570" cy="3235928"/>
+            <a:off x="3772381" y="2870923"/>
+            <a:ext cx="4647236" cy="3485427"/>
           </a:xfrm>
           <a:prstGeom prst="rect">
             <a:avLst/>
@@ -12520,7 +11860,7 @@
     </p:spTree>
     <p:extLst>
       <p:ext uri="{BB962C8B-B14F-4D97-AF65-F5344CB8AC3E}">
-        <p14:creationId xmlns:p14="http://schemas.microsoft.com/office/powerpoint/2010/main" val="1609375222"/>
+        <p14:creationId xmlns:p14="http://schemas.microsoft.com/office/powerpoint/2010/main" val="3725443950"/>
       </p:ext>
     </p:extLst>
   </p:cSld>
@@ -13322,12 +12662,23 @@
 </file>
 
 <file path=customXml/item1.xml><?xml version="1.0" encoding="utf-8"?>
-<?mso-contentType ?>
-<FormTemplates xmlns="http://schemas.microsoft.com/sharepoint/v3/contenttype/forms">
-  <Display>DocumentLibraryForm</Display>
-  <Edit>DocumentLibraryForm</Edit>
-  <New>DocumentLibraryForm</New>
-</FormTemplates>
+<p:properties xmlns:p="http://schemas.microsoft.com/office/2006/metadata/properties" xmlns:xsi="http://www.w3.org/2001/XMLSchema-instance" xmlns:pc="http://schemas.microsoft.com/office/infopath/2007/PartnerControls">
+  <documentManagement>
+    <_ip_UnifiedCompliancePolicyUIAction xmlns="http://schemas.microsoft.com/sharepoint/v3" xsi:nil="true"/>
+    <Image xmlns="71af3243-3dd4-4a8d-8c0d-dd76da1f02a5">
+      <Url xsi:nil="true"/>
+      <Description xsi:nil="true"/>
+    </Image>
+    <Status xmlns="71af3243-3dd4-4a8d-8c0d-dd76da1f02a5">Not started</Status>
+    <Background xmlns="71af3243-3dd4-4a8d-8c0d-dd76da1f02a5">false</Background>
+    <_ip_UnifiedCompliancePolicyProperties xmlns="http://schemas.microsoft.com/sharepoint/v3" xsi:nil="true"/>
+    <ImageTagsTaxHTField xmlns="71af3243-3dd4-4a8d-8c0d-dd76da1f02a5">
+      <Terms xmlns="http://schemas.microsoft.com/office/infopath/2007/PartnerControls"/>
+    </ImageTagsTaxHTField>
+    <TaxCatchAll xmlns="230e9df3-be65-4c73-a93b-d1236ebd677e" xsi:nil="true"/>
+    <MediaServiceKeyPoints xmlns="71af3243-3dd4-4a8d-8c0d-dd76da1f02a5" xsi:nil="true"/>
+  </documentManagement>
+</p:properties>
 </file>
 
 <file path=customXml/item2.xml><?xml version="1.0" encoding="utf-8"?>
@@ -13643,29 +12994,22 @@
 </file>
 
 <file path=customXml/item3.xml><?xml version="1.0" encoding="utf-8"?>
-<p:properties xmlns:p="http://schemas.microsoft.com/office/2006/metadata/properties" xmlns:xsi="http://www.w3.org/2001/XMLSchema-instance" xmlns:pc="http://schemas.microsoft.com/office/infopath/2007/PartnerControls">
-  <documentManagement>
-    <_ip_UnifiedCompliancePolicyUIAction xmlns="http://schemas.microsoft.com/sharepoint/v3" xsi:nil="true"/>
-    <Image xmlns="71af3243-3dd4-4a8d-8c0d-dd76da1f02a5">
-      <Url xsi:nil="true"/>
-      <Description xsi:nil="true"/>
-    </Image>
-    <Status xmlns="71af3243-3dd4-4a8d-8c0d-dd76da1f02a5">Not started</Status>
-    <Background xmlns="71af3243-3dd4-4a8d-8c0d-dd76da1f02a5">false</Background>
-    <_ip_UnifiedCompliancePolicyProperties xmlns="http://schemas.microsoft.com/sharepoint/v3" xsi:nil="true"/>
-    <ImageTagsTaxHTField xmlns="71af3243-3dd4-4a8d-8c0d-dd76da1f02a5">
-      <Terms xmlns="http://schemas.microsoft.com/office/infopath/2007/PartnerControls"/>
-    </ImageTagsTaxHTField>
-    <TaxCatchAll xmlns="230e9df3-be65-4c73-a93b-d1236ebd677e" xsi:nil="true"/>
-    <MediaServiceKeyPoints xmlns="71af3243-3dd4-4a8d-8c0d-dd76da1f02a5" xsi:nil="true"/>
-  </documentManagement>
-</p:properties>
+<?mso-contentType ?>
+<FormTemplates xmlns="http://schemas.microsoft.com/sharepoint/v3/contenttype/forms">
+  <Display>DocumentLibraryForm</Display>
+  <Edit>DocumentLibraryForm</Edit>
+  <New>DocumentLibraryForm</New>
+</FormTemplates>
 </file>
 
 <file path=customXml/itemProps1.xml><?xml version="1.0" encoding="utf-8"?>
-<ds:datastoreItem xmlns:ds="http://schemas.openxmlformats.org/officeDocument/2006/customXml" ds:itemID="{5ECBB7AC-E012-4960-B083-33C7C7C0C8C8}">
+<ds:datastoreItem xmlns:ds="http://schemas.openxmlformats.org/officeDocument/2006/customXml" ds:itemID="{CA05327A-3F11-4B74-87F2-F91762B92A4E}">
   <ds:schemaRefs>
-    <ds:schemaRef ds:uri="http://schemas.microsoft.com/sharepoint/v3/contenttype/forms"/>
+    <ds:schemaRef ds:uri="http://schemas.microsoft.com/office/2006/metadata/properties"/>
+    <ds:schemaRef ds:uri="http://schemas.microsoft.com/office/infopath/2007/PartnerControls"/>
+    <ds:schemaRef ds:uri="http://schemas.microsoft.com/sharepoint/v3"/>
+    <ds:schemaRef ds:uri="71af3243-3dd4-4a8d-8c0d-dd76da1f02a5"/>
+    <ds:schemaRef ds:uri="230e9df3-be65-4c73-a93b-d1236ebd677e"/>
   </ds:schemaRefs>
 </ds:datastoreItem>
 </file>
@@ -13692,13 +13036,9 @@
 </file>
 
 <file path=customXml/itemProps3.xml><?xml version="1.0" encoding="utf-8"?>
-<ds:datastoreItem xmlns:ds="http://schemas.openxmlformats.org/officeDocument/2006/customXml" ds:itemID="{CA05327A-3F11-4B74-87F2-F91762B92A4E}">
+<ds:datastoreItem xmlns:ds="http://schemas.openxmlformats.org/officeDocument/2006/customXml" ds:itemID="{5ECBB7AC-E012-4960-B083-33C7C7C0C8C8}">
   <ds:schemaRefs>
-    <ds:schemaRef ds:uri="http://schemas.microsoft.com/office/2006/metadata/properties"/>
-    <ds:schemaRef ds:uri="http://schemas.microsoft.com/office/infopath/2007/PartnerControls"/>
-    <ds:schemaRef ds:uri="http://schemas.microsoft.com/sharepoint/v3"/>
-    <ds:schemaRef ds:uri="71af3243-3dd4-4a8d-8c0d-dd76da1f02a5"/>
-    <ds:schemaRef ds:uri="230e9df3-be65-4c73-a93b-d1236ebd677e"/>
+    <ds:schemaRef ds:uri="http://schemas.microsoft.com/sharepoint/v3/contenttype/forms"/>
   </ds:schemaRefs>
 </ds:datastoreItem>
 </file>
